--- a/diagrams/FHIR Measure IG Diagram_v2.pptx
+++ b/diagrams/FHIR Measure IG Diagram_v2.pptx
@@ -7,7 +7,10 @@
   <p:sldIdLst>
     <p:sldId id="256" r:id="rId2"/>
     <p:sldId id="259" r:id="rId3"/>
-    <p:sldId id="258" r:id="rId4"/>
+    <p:sldId id="260" r:id="rId4"/>
+    <p:sldId id="258" r:id="rId5"/>
+    <p:sldId id="261" r:id="rId6"/>
+    <p:sldId id="262" r:id="rId7"/>
   </p:sldIdLst>
   <p:sldSz cx="12192000" cy="6858000"/>
   <p:notesSz cx="6858000" cy="9144000"/>
@@ -261,7 +264,7 @@
           <a:p>
             <a:fld id="{A1C33FE8-8021-45D4-B0C5-0B5FC73F013B}" type="datetimeFigureOut">
               <a:rPr lang="en-US" smtClean="0"/>
-              <a:t>6/30/2019</a:t>
+              <a:t>11/10/2019</a:t>
             </a:fld>
             <a:endParaRPr lang="en-US"/>
           </a:p>
@@ -459,7 +462,7 @@
           <a:p>
             <a:fld id="{A1C33FE8-8021-45D4-B0C5-0B5FC73F013B}" type="datetimeFigureOut">
               <a:rPr lang="en-US" smtClean="0"/>
-              <a:t>6/30/2019</a:t>
+              <a:t>11/10/2019</a:t>
             </a:fld>
             <a:endParaRPr lang="en-US"/>
           </a:p>
@@ -667,7 +670,7 @@
           <a:p>
             <a:fld id="{A1C33FE8-8021-45D4-B0C5-0B5FC73F013B}" type="datetimeFigureOut">
               <a:rPr lang="en-US" smtClean="0"/>
-              <a:t>6/30/2019</a:t>
+              <a:t>11/10/2019</a:t>
             </a:fld>
             <a:endParaRPr lang="en-US"/>
           </a:p>
@@ -865,7 +868,7 @@
           <a:p>
             <a:fld id="{A1C33FE8-8021-45D4-B0C5-0B5FC73F013B}" type="datetimeFigureOut">
               <a:rPr lang="en-US" smtClean="0"/>
-              <a:t>6/30/2019</a:t>
+              <a:t>11/10/2019</a:t>
             </a:fld>
             <a:endParaRPr lang="en-US"/>
           </a:p>
@@ -1140,7 +1143,7 @@
           <a:p>
             <a:fld id="{A1C33FE8-8021-45D4-B0C5-0B5FC73F013B}" type="datetimeFigureOut">
               <a:rPr lang="en-US" smtClean="0"/>
-              <a:t>6/30/2019</a:t>
+              <a:t>11/10/2019</a:t>
             </a:fld>
             <a:endParaRPr lang="en-US"/>
           </a:p>
@@ -1405,7 +1408,7 @@
           <a:p>
             <a:fld id="{A1C33FE8-8021-45D4-B0C5-0B5FC73F013B}" type="datetimeFigureOut">
               <a:rPr lang="en-US" smtClean="0"/>
-              <a:t>6/30/2019</a:t>
+              <a:t>11/10/2019</a:t>
             </a:fld>
             <a:endParaRPr lang="en-US"/>
           </a:p>
@@ -1817,7 +1820,7 @@
           <a:p>
             <a:fld id="{A1C33FE8-8021-45D4-B0C5-0B5FC73F013B}" type="datetimeFigureOut">
               <a:rPr lang="en-US" smtClean="0"/>
-              <a:t>6/30/2019</a:t>
+              <a:t>11/10/2019</a:t>
             </a:fld>
             <a:endParaRPr lang="en-US"/>
           </a:p>
@@ -1958,7 +1961,7 @@
           <a:p>
             <a:fld id="{A1C33FE8-8021-45D4-B0C5-0B5FC73F013B}" type="datetimeFigureOut">
               <a:rPr lang="en-US" smtClean="0"/>
-              <a:t>6/30/2019</a:t>
+              <a:t>11/10/2019</a:t>
             </a:fld>
             <a:endParaRPr lang="en-US"/>
           </a:p>
@@ -2071,7 +2074,7 @@
           <a:p>
             <a:fld id="{A1C33FE8-8021-45D4-B0C5-0B5FC73F013B}" type="datetimeFigureOut">
               <a:rPr lang="en-US" smtClean="0"/>
-              <a:t>6/30/2019</a:t>
+              <a:t>11/10/2019</a:t>
             </a:fld>
             <a:endParaRPr lang="en-US"/>
           </a:p>
@@ -2382,7 +2385,7 @@
           <a:p>
             <a:fld id="{A1C33FE8-8021-45D4-B0C5-0B5FC73F013B}" type="datetimeFigureOut">
               <a:rPr lang="en-US" smtClean="0"/>
-              <a:t>6/30/2019</a:t>
+              <a:t>11/10/2019</a:t>
             </a:fld>
             <a:endParaRPr lang="en-US"/>
           </a:p>
@@ -2670,7 +2673,7 @@
           <a:p>
             <a:fld id="{A1C33FE8-8021-45D4-B0C5-0B5FC73F013B}" type="datetimeFigureOut">
               <a:rPr lang="en-US" smtClean="0"/>
-              <a:t>6/30/2019</a:t>
+              <a:t>11/10/2019</a:t>
             </a:fld>
             <a:endParaRPr lang="en-US"/>
           </a:p>
@@ -2911,7 +2914,7 @@
           <a:p>
             <a:fld id="{A1C33FE8-8021-45D4-B0C5-0B5FC73F013B}" type="datetimeFigureOut">
               <a:rPr lang="en-US" smtClean="0"/>
-              <a:t>6/30/2019</a:t>
+              <a:t>11/10/2019</a:t>
             </a:fld>
             <a:endParaRPr lang="en-US"/>
           </a:p>
@@ -5338,6 +5341,1236 @@
       </p:grpSpPr>
       <p:sp>
         <p:nvSpPr>
+          <p:cNvPr id="6" name="Rectangle: Rounded Corners 5">
+            <a:extLst>
+              <a:ext uri="{FF2B5EF4-FFF2-40B4-BE49-F238E27FC236}">
+                <a16:creationId xmlns:a16="http://schemas.microsoft.com/office/drawing/2014/main" id="{4E289A37-AAC9-488D-9593-3C38AE6BDFBC}"/>
+              </a:ext>
+            </a:extLst>
+          </p:cNvPr>
+          <p:cNvSpPr/>
+          <p:nvPr/>
+        </p:nvSpPr>
+        <p:spPr>
+          <a:xfrm>
+            <a:off x="1498600" y="1079636"/>
+            <a:ext cx="4699000" cy="4343264"/>
+          </a:xfrm>
+          <a:prstGeom prst="roundRect">
+            <a:avLst>
+              <a:gd name="adj" fmla="val 2343"/>
+            </a:avLst>
+          </a:prstGeom>
+        </p:spPr>
+        <p:style>
+          <a:lnRef idx="2">
+            <a:schemeClr val="dk1"/>
+          </a:lnRef>
+          <a:fillRef idx="1">
+            <a:schemeClr val="lt1"/>
+          </a:fillRef>
+          <a:effectRef idx="0">
+            <a:schemeClr val="dk1"/>
+          </a:effectRef>
+          <a:fontRef idx="minor">
+            <a:schemeClr val="dk1"/>
+          </a:fontRef>
+        </p:style>
+        <p:txBody>
+          <a:bodyPr rtlCol="0" anchor="ctr"/>
+          <a:lstStyle/>
+          <a:p>
+            <a:pPr algn="ctr"/>
+            <a:endParaRPr lang="en-US"/>
+          </a:p>
+        </p:txBody>
+      </p:sp>
+      <p:sp>
+        <p:nvSpPr>
+          <p:cNvPr id="7" name="Rectangle: Rounded Corners 6">
+            <a:extLst>
+              <a:ext uri="{FF2B5EF4-FFF2-40B4-BE49-F238E27FC236}">
+                <a16:creationId xmlns:a16="http://schemas.microsoft.com/office/drawing/2014/main" id="{2149A16D-3E06-4C75-9E39-09DBD6971A85}"/>
+              </a:ext>
+            </a:extLst>
+          </p:cNvPr>
+          <p:cNvSpPr/>
+          <p:nvPr/>
+        </p:nvSpPr>
+        <p:spPr>
+          <a:xfrm>
+            <a:off x="6350000" y="1079636"/>
+            <a:ext cx="4699000" cy="4343264"/>
+          </a:xfrm>
+          <a:prstGeom prst="roundRect">
+            <a:avLst>
+              <a:gd name="adj" fmla="val 2343"/>
+            </a:avLst>
+          </a:prstGeom>
+        </p:spPr>
+        <p:style>
+          <a:lnRef idx="2">
+            <a:schemeClr val="dk1"/>
+          </a:lnRef>
+          <a:fillRef idx="1">
+            <a:schemeClr val="lt1"/>
+          </a:fillRef>
+          <a:effectRef idx="0">
+            <a:schemeClr val="dk1"/>
+          </a:effectRef>
+          <a:fontRef idx="minor">
+            <a:schemeClr val="dk1"/>
+          </a:fontRef>
+        </p:style>
+        <p:txBody>
+          <a:bodyPr rtlCol="0" anchor="ctr"/>
+          <a:lstStyle/>
+          <a:p>
+            <a:pPr algn="ctr"/>
+            <a:endParaRPr lang="en-US"/>
+          </a:p>
+        </p:txBody>
+      </p:sp>
+      <p:sp>
+        <p:nvSpPr>
+          <p:cNvPr id="23" name="Rectangle: Rounded Corners 22">
+            <a:extLst>
+              <a:ext uri="{FF2B5EF4-FFF2-40B4-BE49-F238E27FC236}">
+                <a16:creationId xmlns:a16="http://schemas.microsoft.com/office/drawing/2014/main" id="{F395024D-6F23-4B7B-91C4-91702F3CB480}"/>
+              </a:ext>
+            </a:extLst>
+          </p:cNvPr>
+          <p:cNvSpPr/>
+          <p:nvPr/>
+        </p:nvSpPr>
+        <p:spPr>
+          <a:xfrm>
+            <a:off x="4829175" y="3980250"/>
+            <a:ext cx="2927347" cy="1257556"/>
+          </a:xfrm>
+          <a:prstGeom prst="roundRect">
+            <a:avLst>
+              <a:gd name="adj" fmla="val 10318"/>
+            </a:avLst>
+          </a:prstGeom>
+        </p:spPr>
+        <p:style>
+          <a:lnRef idx="1">
+            <a:schemeClr val="accent4"/>
+          </a:lnRef>
+          <a:fillRef idx="2">
+            <a:schemeClr val="accent4"/>
+          </a:fillRef>
+          <a:effectRef idx="1">
+            <a:schemeClr val="accent4"/>
+          </a:effectRef>
+          <a:fontRef idx="minor">
+            <a:schemeClr val="dk1"/>
+          </a:fontRef>
+        </p:style>
+        <p:txBody>
+          <a:bodyPr rtlCol="0" anchor="ctr"/>
+          <a:lstStyle/>
+          <a:p>
+            <a:pPr algn="ctr"/>
+            <a:endParaRPr lang="en-US" dirty="0">
+              <a:solidFill>
+                <a:schemeClr val="tx1"/>
+              </a:solidFill>
+            </a:endParaRPr>
+          </a:p>
+          <a:p>
+            <a:pPr algn="ctr"/>
+            <a:endParaRPr lang="en-US" dirty="0">
+              <a:solidFill>
+                <a:schemeClr val="tx1"/>
+              </a:solidFill>
+            </a:endParaRPr>
+          </a:p>
+          <a:p>
+            <a:pPr algn="ctr"/>
+            <a:endParaRPr lang="en-US" dirty="0">
+              <a:solidFill>
+                <a:schemeClr val="tx1"/>
+              </a:solidFill>
+            </a:endParaRPr>
+          </a:p>
+          <a:p>
+            <a:pPr algn="ctr"/>
+            <a:r>
+              <a:rPr lang="en-US" b="1" dirty="0">
+                <a:solidFill>
+                  <a:schemeClr val="tx1"/>
+                </a:solidFill>
+              </a:rPr>
+              <a:t>QI Core</a:t>
+            </a:r>
+          </a:p>
+        </p:txBody>
+      </p:sp>
+      <p:sp>
+        <p:nvSpPr>
+          <p:cNvPr id="37" name="Rectangle: Rounded Corners 36">
+            <a:extLst>
+              <a:ext uri="{FF2B5EF4-FFF2-40B4-BE49-F238E27FC236}">
+                <a16:creationId xmlns:a16="http://schemas.microsoft.com/office/drawing/2014/main" id="{052A4214-ECE4-40CE-A54B-ACBE1A839161}"/>
+              </a:ext>
+            </a:extLst>
+          </p:cNvPr>
+          <p:cNvSpPr/>
+          <p:nvPr/>
+        </p:nvSpPr>
+        <p:spPr>
+          <a:xfrm>
+            <a:off x="1749428" y="3383933"/>
+            <a:ext cx="9020173" cy="502093"/>
+          </a:xfrm>
+          <a:prstGeom prst="roundRect">
+            <a:avLst/>
+          </a:prstGeom>
+        </p:spPr>
+        <p:style>
+          <a:lnRef idx="1">
+            <a:schemeClr val="accent3"/>
+          </a:lnRef>
+          <a:fillRef idx="2">
+            <a:schemeClr val="accent3"/>
+          </a:fillRef>
+          <a:effectRef idx="1">
+            <a:schemeClr val="accent3"/>
+          </a:effectRef>
+          <a:fontRef idx="minor">
+            <a:schemeClr val="dk1"/>
+          </a:fontRef>
+        </p:style>
+        <p:txBody>
+          <a:bodyPr rtlCol="0" anchor="ctr"/>
+          <a:lstStyle/>
+          <a:p>
+            <a:pPr algn="ctr"/>
+            <a:endParaRPr lang="en-US" b="1" dirty="0"/>
+          </a:p>
+          <a:p>
+            <a:pPr algn="ctr"/>
+            <a:r>
+              <a:rPr lang="en-US" b="1" dirty="0"/>
+              <a:t>CQL</a:t>
+            </a:r>
+          </a:p>
+          <a:p>
+            <a:pPr algn="ctr"/>
+            <a:endParaRPr lang="en-US" b="1" dirty="0"/>
+          </a:p>
+        </p:txBody>
+      </p:sp>
+      <p:sp>
+        <p:nvSpPr>
+          <p:cNvPr id="24" name="Rectangle: Rounded Corners 23">
+            <a:extLst>
+              <a:ext uri="{FF2B5EF4-FFF2-40B4-BE49-F238E27FC236}">
+                <a16:creationId xmlns:a16="http://schemas.microsoft.com/office/drawing/2014/main" id="{AFEA0268-1FB0-4632-93CF-73B62257520E}"/>
+              </a:ext>
+            </a:extLst>
+          </p:cNvPr>
+          <p:cNvSpPr/>
+          <p:nvPr/>
+        </p:nvSpPr>
+        <p:spPr>
+          <a:xfrm>
+            <a:off x="7889874" y="3980250"/>
+            <a:ext cx="2882897" cy="1257556"/>
+          </a:xfrm>
+          <a:prstGeom prst="roundRect">
+            <a:avLst>
+              <a:gd name="adj" fmla="val 10318"/>
+            </a:avLst>
+          </a:prstGeom>
+        </p:spPr>
+        <p:style>
+          <a:lnRef idx="1">
+            <a:schemeClr val="accent1"/>
+          </a:lnRef>
+          <a:fillRef idx="2">
+            <a:schemeClr val="accent1"/>
+          </a:fillRef>
+          <a:effectRef idx="1">
+            <a:schemeClr val="accent1"/>
+          </a:effectRef>
+          <a:fontRef idx="minor">
+            <a:schemeClr val="dk1"/>
+          </a:fontRef>
+        </p:style>
+        <p:txBody>
+          <a:bodyPr rtlCol="0" anchor="ctr"/>
+          <a:lstStyle/>
+          <a:p>
+            <a:pPr algn="ctr"/>
+            <a:endParaRPr lang="en-US" dirty="0"/>
+          </a:p>
+          <a:p>
+            <a:pPr algn="ctr"/>
+            <a:endParaRPr lang="en-US" dirty="0"/>
+          </a:p>
+          <a:p>
+            <a:pPr algn="ctr"/>
+            <a:endParaRPr lang="en-US" dirty="0"/>
+          </a:p>
+          <a:p>
+            <a:pPr algn="ctr"/>
+            <a:endParaRPr lang="en-US" dirty="0"/>
+          </a:p>
+          <a:p>
+            <a:pPr algn="r"/>
+            <a:r>
+              <a:rPr lang="en-US" b="1" dirty="0"/>
+              <a:t>Implementation Guidance  </a:t>
+            </a:r>
+          </a:p>
+          <a:p>
+            <a:pPr algn="ctr"/>
+            <a:endParaRPr lang="en-US" dirty="0"/>
+          </a:p>
+        </p:txBody>
+      </p:sp>
+      <p:sp>
+        <p:nvSpPr>
+          <p:cNvPr id="22" name="Rectangle: Rounded Corners 21">
+            <a:extLst>
+              <a:ext uri="{FF2B5EF4-FFF2-40B4-BE49-F238E27FC236}">
+                <a16:creationId xmlns:a16="http://schemas.microsoft.com/office/drawing/2014/main" id="{B8730D48-DA44-4CFF-96B0-42AB11912DE8}"/>
+              </a:ext>
+            </a:extLst>
+          </p:cNvPr>
+          <p:cNvSpPr/>
+          <p:nvPr/>
+        </p:nvSpPr>
+        <p:spPr>
+          <a:xfrm>
+            <a:off x="1749428" y="3980250"/>
+            <a:ext cx="2927347" cy="1257556"/>
+          </a:xfrm>
+          <a:prstGeom prst="roundRect">
+            <a:avLst>
+              <a:gd name="adj" fmla="val 10318"/>
+            </a:avLst>
+          </a:prstGeom>
+        </p:spPr>
+        <p:style>
+          <a:lnRef idx="1">
+            <a:schemeClr val="accent6"/>
+          </a:lnRef>
+          <a:fillRef idx="2">
+            <a:schemeClr val="accent6"/>
+          </a:fillRef>
+          <a:effectRef idx="1">
+            <a:schemeClr val="accent6"/>
+          </a:effectRef>
+          <a:fontRef idx="minor">
+            <a:schemeClr val="dk1"/>
+          </a:fontRef>
+        </p:style>
+        <p:txBody>
+          <a:bodyPr rtlCol="0" anchor="ctr"/>
+          <a:lstStyle/>
+          <a:p>
+            <a:pPr algn="ctr"/>
+            <a:endParaRPr lang="en-US" dirty="0"/>
+          </a:p>
+          <a:p>
+            <a:pPr algn="ctr"/>
+            <a:endParaRPr lang="en-US" dirty="0"/>
+          </a:p>
+          <a:p>
+            <a:pPr algn="ctr"/>
+            <a:endParaRPr lang="en-US" dirty="0"/>
+          </a:p>
+          <a:p>
+            <a:pPr algn="ctr"/>
+            <a:endParaRPr lang="en-US" dirty="0"/>
+          </a:p>
+          <a:p>
+            <a:r>
+              <a:rPr lang="en-US" b="1" dirty="0"/>
+              <a:t>Authoring Guidance</a:t>
+            </a:r>
+          </a:p>
+          <a:p>
+            <a:pPr algn="ctr"/>
+            <a:endParaRPr lang="en-US" dirty="0"/>
+          </a:p>
+        </p:txBody>
+      </p:sp>
+      <p:sp>
+        <p:nvSpPr>
+          <p:cNvPr id="20" name="Rectangle: Rounded Corners 19">
+            <a:extLst>
+              <a:ext uri="{FF2B5EF4-FFF2-40B4-BE49-F238E27FC236}">
+                <a16:creationId xmlns:a16="http://schemas.microsoft.com/office/drawing/2014/main" id="{9CBB8A51-5E31-4B40-9525-A6D4D6FDC7FF}"/>
+              </a:ext>
+            </a:extLst>
+          </p:cNvPr>
+          <p:cNvSpPr/>
+          <p:nvPr/>
+        </p:nvSpPr>
+        <p:spPr>
+          <a:xfrm>
+            <a:off x="1752598" y="1559698"/>
+            <a:ext cx="9020173" cy="1724451"/>
+          </a:xfrm>
+          <a:prstGeom prst="roundRect">
+            <a:avLst>
+              <a:gd name="adj" fmla="val 7143"/>
+            </a:avLst>
+          </a:prstGeom>
+        </p:spPr>
+        <p:style>
+          <a:lnRef idx="1">
+            <a:schemeClr val="accent2"/>
+          </a:lnRef>
+          <a:fillRef idx="2">
+            <a:schemeClr val="accent2"/>
+          </a:fillRef>
+          <a:effectRef idx="1">
+            <a:schemeClr val="accent2"/>
+          </a:effectRef>
+          <a:fontRef idx="minor">
+            <a:schemeClr val="dk1"/>
+          </a:fontRef>
+        </p:style>
+        <p:txBody>
+          <a:bodyPr rtlCol="0" anchor="ctr"/>
+          <a:lstStyle/>
+          <a:p>
+            <a:pPr algn="ctr"/>
+            <a:r>
+              <a:rPr lang="en-US" sz="2400" b="1" dirty="0"/>
+              <a:t>FHIR</a:t>
+            </a:r>
+          </a:p>
+          <a:p>
+            <a:pPr algn="ctr"/>
+            <a:endParaRPr lang="en-US" sz="1200" b="1" dirty="0"/>
+          </a:p>
+          <a:p>
+            <a:pPr algn="ctr"/>
+            <a:endParaRPr lang="en-US" b="1" dirty="0"/>
+          </a:p>
+          <a:p>
+            <a:pPr algn="ctr"/>
+            <a:endParaRPr lang="en-US" dirty="0"/>
+          </a:p>
+        </p:txBody>
+      </p:sp>
+      <p:sp>
+        <p:nvSpPr>
+          <p:cNvPr id="8" name="TextBox 7">
+            <a:extLst>
+              <a:ext uri="{FF2B5EF4-FFF2-40B4-BE49-F238E27FC236}">
+                <a16:creationId xmlns:a16="http://schemas.microsoft.com/office/drawing/2014/main" id="{8AAD56A5-1A07-4063-AB94-C8A47FDE7D77}"/>
+              </a:ext>
+            </a:extLst>
+          </p:cNvPr>
+          <p:cNvSpPr txBox="1"/>
+          <p:nvPr/>
+        </p:nvSpPr>
+        <p:spPr>
+          <a:xfrm>
+            <a:off x="1498600" y="1079636"/>
+            <a:ext cx="3060700" cy="369332"/>
+          </a:xfrm>
+          <a:prstGeom prst="rect">
+            <a:avLst/>
+          </a:prstGeom>
+          <a:noFill/>
+        </p:spPr>
+        <p:txBody>
+          <a:bodyPr wrap="square" rtlCol="0">
+            <a:spAutoFit/>
+          </a:bodyPr>
+          <a:lstStyle/>
+          <a:p>
+            <a:r>
+              <a:rPr lang="en-US" b="1" dirty="0"/>
+              <a:t>Specification</a:t>
+            </a:r>
+          </a:p>
+        </p:txBody>
+      </p:sp>
+      <p:sp>
+        <p:nvSpPr>
+          <p:cNvPr id="9" name="TextBox 8">
+            <a:extLst>
+              <a:ext uri="{FF2B5EF4-FFF2-40B4-BE49-F238E27FC236}">
+                <a16:creationId xmlns:a16="http://schemas.microsoft.com/office/drawing/2014/main" id="{04203A66-A0E8-426A-9776-984E6A83D2CD}"/>
+              </a:ext>
+            </a:extLst>
+          </p:cNvPr>
+          <p:cNvSpPr txBox="1"/>
+          <p:nvPr/>
+        </p:nvSpPr>
+        <p:spPr>
+          <a:xfrm>
+            <a:off x="8360719" y="1101562"/>
+            <a:ext cx="2540000" cy="369332"/>
+          </a:xfrm>
+          <a:prstGeom prst="rect">
+            <a:avLst/>
+          </a:prstGeom>
+          <a:noFill/>
+        </p:spPr>
+        <p:txBody>
+          <a:bodyPr wrap="square" rtlCol="0">
+            <a:spAutoFit/>
+          </a:bodyPr>
+          <a:lstStyle/>
+          <a:p>
+            <a:pPr algn="r"/>
+            <a:r>
+              <a:rPr lang="en-US" b="1" dirty="0"/>
+              <a:t>Implementation</a:t>
+            </a:r>
+          </a:p>
+        </p:txBody>
+      </p:sp>
+      <p:sp>
+        <p:nvSpPr>
+          <p:cNvPr id="10" name="Rectangle: Rounded Corners 9">
+            <a:extLst>
+              <a:ext uri="{FF2B5EF4-FFF2-40B4-BE49-F238E27FC236}">
+                <a16:creationId xmlns:a16="http://schemas.microsoft.com/office/drawing/2014/main" id="{2FC18C92-B48B-4007-BDF0-EC419AA74A84}"/>
+              </a:ext>
+            </a:extLst>
+          </p:cNvPr>
+          <p:cNvSpPr/>
+          <p:nvPr/>
+        </p:nvSpPr>
+        <p:spPr>
+          <a:xfrm>
+            <a:off x="3270249" y="1907748"/>
+            <a:ext cx="1968501" cy="1724452"/>
+          </a:xfrm>
+          <a:prstGeom prst="roundRect">
+            <a:avLst>
+              <a:gd name="adj" fmla="val 6344"/>
+            </a:avLst>
+          </a:prstGeom>
+        </p:spPr>
+        <p:style>
+          <a:lnRef idx="2">
+            <a:schemeClr val="dk1"/>
+          </a:lnRef>
+          <a:fillRef idx="1">
+            <a:schemeClr val="lt1"/>
+          </a:fillRef>
+          <a:effectRef idx="0">
+            <a:schemeClr val="dk1"/>
+          </a:effectRef>
+          <a:fontRef idx="minor">
+            <a:schemeClr val="dk1"/>
+          </a:fontRef>
+        </p:style>
+        <p:txBody>
+          <a:bodyPr rtlCol="0" anchor="ctr"/>
+          <a:lstStyle/>
+          <a:p>
+            <a:pPr algn="ctr"/>
+            <a:endParaRPr lang="en-US" dirty="0"/>
+          </a:p>
+        </p:txBody>
+      </p:sp>
+      <p:sp>
+        <p:nvSpPr>
+          <p:cNvPr id="11" name="Rectangle: Rounded Corners 10">
+            <a:extLst>
+              <a:ext uri="{FF2B5EF4-FFF2-40B4-BE49-F238E27FC236}">
+                <a16:creationId xmlns:a16="http://schemas.microsoft.com/office/drawing/2014/main" id="{87EE5140-16A0-40AE-BFD4-B34371D3F71E}"/>
+              </a:ext>
+            </a:extLst>
+          </p:cNvPr>
+          <p:cNvSpPr/>
+          <p:nvPr/>
+        </p:nvSpPr>
+        <p:spPr>
+          <a:xfrm>
+            <a:off x="7283449" y="1907748"/>
+            <a:ext cx="1968501" cy="1724452"/>
+          </a:xfrm>
+          <a:prstGeom prst="roundRect">
+            <a:avLst>
+              <a:gd name="adj" fmla="val 6344"/>
+            </a:avLst>
+          </a:prstGeom>
+        </p:spPr>
+        <p:style>
+          <a:lnRef idx="2">
+            <a:schemeClr val="dk1"/>
+          </a:lnRef>
+          <a:fillRef idx="1">
+            <a:schemeClr val="lt1"/>
+          </a:fillRef>
+          <a:effectRef idx="0">
+            <a:schemeClr val="dk1"/>
+          </a:effectRef>
+          <a:fontRef idx="minor">
+            <a:schemeClr val="dk1"/>
+          </a:fontRef>
+        </p:style>
+        <p:txBody>
+          <a:bodyPr rtlCol="0" anchor="ctr"/>
+          <a:lstStyle/>
+          <a:p>
+            <a:pPr algn="ctr"/>
+            <a:endParaRPr lang="en-US"/>
+          </a:p>
+        </p:txBody>
+      </p:sp>
+      <p:sp>
+        <p:nvSpPr>
+          <p:cNvPr id="12" name="TextBox 11">
+            <a:extLst>
+              <a:ext uri="{FF2B5EF4-FFF2-40B4-BE49-F238E27FC236}">
+                <a16:creationId xmlns:a16="http://schemas.microsoft.com/office/drawing/2014/main" id="{8844EEA7-3A56-468B-BE94-7DF1B8527B5C}"/>
+              </a:ext>
+            </a:extLst>
+          </p:cNvPr>
+          <p:cNvSpPr txBox="1"/>
+          <p:nvPr/>
+        </p:nvSpPr>
+        <p:spPr>
+          <a:xfrm>
+            <a:off x="3203576" y="1899559"/>
+            <a:ext cx="1968501" cy="369332"/>
+          </a:xfrm>
+          <a:prstGeom prst="rect">
+            <a:avLst/>
+          </a:prstGeom>
+          <a:noFill/>
+        </p:spPr>
+        <p:txBody>
+          <a:bodyPr wrap="square" rtlCol="0">
+            <a:spAutoFit/>
+          </a:bodyPr>
+          <a:lstStyle/>
+          <a:p>
+            <a:pPr algn="ctr"/>
+            <a:r>
+              <a:rPr lang="en-US" b="1" dirty="0"/>
+              <a:t>Producers</a:t>
+            </a:r>
+          </a:p>
+        </p:txBody>
+      </p:sp>
+      <p:sp>
+        <p:nvSpPr>
+          <p:cNvPr id="13" name="TextBox 12">
+            <a:extLst>
+              <a:ext uri="{FF2B5EF4-FFF2-40B4-BE49-F238E27FC236}">
+                <a16:creationId xmlns:a16="http://schemas.microsoft.com/office/drawing/2014/main" id="{986BD7EF-39FA-472B-B8F8-04233EDBBFE9}"/>
+              </a:ext>
+            </a:extLst>
+          </p:cNvPr>
+          <p:cNvSpPr txBox="1"/>
+          <p:nvPr/>
+        </p:nvSpPr>
+        <p:spPr>
+          <a:xfrm>
+            <a:off x="7244451" y="1881518"/>
+            <a:ext cx="1968501" cy="369332"/>
+          </a:xfrm>
+          <a:prstGeom prst="rect">
+            <a:avLst/>
+          </a:prstGeom>
+          <a:noFill/>
+        </p:spPr>
+        <p:txBody>
+          <a:bodyPr wrap="square" rtlCol="0">
+            <a:spAutoFit/>
+          </a:bodyPr>
+          <a:lstStyle/>
+          <a:p>
+            <a:pPr algn="ctr"/>
+            <a:r>
+              <a:rPr lang="en-US" b="1" dirty="0"/>
+              <a:t>Consumers</a:t>
+            </a:r>
+          </a:p>
+        </p:txBody>
+      </p:sp>
+      <p:sp>
+        <p:nvSpPr>
+          <p:cNvPr id="14" name="Arrow: Left-Right 13">
+            <a:extLst>
+              <a:ext uri="{FF2B5EF4-FFF2-40B4-BE49-F238E27FC236}">
+                <a16:creationId xmlns:a16="http://schemas.microsoft.com/office/drawing/2014/main" id="{3C43A20C-3D83-4F50-97B1-FCD0D9B5B4EB}"/>
+              </a:ext>
+            </a:extLst>
+          </p:cNvPr>
+          <p:cNvSpPr/>
+          <p:nvPr/>
+        </p:nvSpPr>
+        <p:spPr>
+          <a:xfrm>
+            <a:off x="5248277" y="2572670"/>
+            <a:ext cx="2025650" cy="515908"/>
+          </a:xfrm>
+          <a:prstGeom prst="leftRightArrow">
+            <a:avLst/>
+          </a:prstGeom>
+        </p:spPr>
+        <p:style>
+          <a:lnRef idx="2">
+            <a:schemeClr val="dk1"/>
+          </a:lnRef>
+          <a:fillRef idx="1">
+            <a:schemeClr val="lt1"/>
+          </a:fillRef>
+          <a:effectRef idx="0">
+            <a:schemeClr val="dk1"/>
+          </a:effectRef>
+          <a:fontRef idx="minor">
+            <a:schemeClr val="dk1"/>
+          </a:fontRef>
+        </p:style>
+        <p:txBody>
+          <a:bodyPr rtlCol="0" anchor="ctr"/>
+          <a:lstStyle/>
+          <a:p>
+            <a:pPr algn="ctr"/>
+            <a:endParaRPr lang="en-US"/>
+          </a:p>
+        </p:txBody>
+      </p:sp>
+      <p:sp>
+        <p:nvSpPr>
+          <p:cNvPr id="15" name="TextBox 14">
+            <a:extLst>
+              <a:ext uri="{FF2B5EF4-FFF2-40B4-BE49-F238E27FC236}">
+                <a16:creationId xmlns:a16="http://schemas.microsoft.com/office/drawing/2014/main" id="{8EC74090-F0C5-4408-B1E8-BDB0BB40B2F5}"/>
+              </a:ext>
+            </a:extLst>
+          </p:cNvPr>
+          <p:cNvSpPr txBox="1"/>
+          <p:nvPr/>
+        </p:nvSpPr>
+        <p:spPr>
+          <a:xfrm>
+            <a:off x="5551337" y="2642584"/>
+            <a:ext cx="1428753" cy="369332"/>
+          </a:xfrm>
+          <a:prstGeom prst="rect">
+            <a:avLst/>
+          </a:prstGeom>
+          <a:noFill/>
+        </p:spPr>
+        <p:txBody>
+          <a:bodyPr wrap="square" rtlCol="0">
+            <a:spAutoFit/>
+          </a:bodyPr>
+          <a:lstStyle/>
+          <a:p>
+            <a:pPr algn="ctr"/>
+            <a:r>
+              <a:rPr lang="en-US" dirty="0"/>
+              <a:t>Interactions</a:t>
+            </a:r>
+          </a:p>
+        </p:txBody>
+      </p:sp>
+      <p:sp>
+        <p:nvSpPr>
+          <p:cNvPr id="18" name="Flowchart: Multidocument 17">
+            <a:extLst>
+              <a:ext uri="{FF2B5EF4-FFF2-40B4-BE49-F238E27FC236}">
+                <a16:creationId xmlns:a16="http://schemas.microsoft.com/office/drawing/2014/main" id="{A6DE0178-E815-41A2-B6BC-D35FC17ED4F9}"/>
+              </a:ext>
+            </a:extLst>
+          </p:cNvPr>
+          <p:cNvSpPr/>
+          <p:nvPr/>
+        </p:nvSpPr>
+        <p:spPr>
+          <a:xfrm>
+            <a:off x="9374335" y="2961352"/>
+            <a:ext cx="1272881" cy="1018550"/>
+          </a:xfrm>
+          <a:prstGeom prst="flowChartMultidocument">
+            <a:avLst/>
+          </a:prstGeom>
+        </p:spPr>
+        <p:style>
+          <a:lnRef idx="2">
+            <a:schemeClr val="dk1"/>
+          </a:lnRef>
+          <a:fillRef idx="1">
+            <a:schemeClr val="lt1"/>
+          </a:fillRef>
+          <a:effectRef idx="0">
+            <a:schemeClr val="dk1"/>
+          </a:effectRef>
+          <a:fontRef idx="minor">
+            <a:schemeClr val="dk1"/>
+          </a:fontRef>
+        </p:style>
+        <p:txBody>
+          <a:bodyPr rtlCol="0" anchor="ctr"/>
+          <a:lstStyle/>
+          <a:p>
+            <a:pPr algn="ctr"/>
+            <a:endParaRPr lang="en-US"/>
+          </a:p>
+        </p:txBody>
+      </p:sp>
+      <p:sp>
+        <p:nvSpPr>
+          <p:cNvPr id="19" name="TextBox 18">
+            <a:extLst>
+              <a:ext uri="{FF2B5EF4-FFF2-40B4-BE49-F238E27FC236}">
+                <a16:creationId xmlns:a16="http://schemas.microsoft.com/office/drawing/2014/main" id="{78B1D05D-7CE6-4A0B-8AB6-5297D4F49082}"/>
+              </a:ext>
+            </a:extLst>
+          </p:cNvPr>
+          <p:cNvSpPr txBox="1"/>
+          <p:nvPr/>
+        </p:nvSpPr>
+        <p:spPr>
+          <a:xfrm>
+            <a:off x="9290948" y="3254643"/>
+            <a:ext cx="1272881" cy="461665"/>
+          </a:xfrm>
+          <a:prstGeom prst="rect">
+            <a:avLst/>
+          </a:prstGeom>
+          <a:noFill/>
+        </p:spPr>
+        <p:txBody>
+          <a:bodyPr wrap="square" rtlCol="0">
+            <a:spAutoFit/>
+          </a:bodyPr>
+          <a:lstStyle/>
+          <a:p>
+            <a:pPr algn="ctr"/>
+            <a:r>
+              <a:rPr lang="en-US" sz="1200" dirty="0"/>
+              <a:t>Guidance, Care Gaps, Reports</a:t>
+            </a:r>
+          </a:p>
+        </p:txBody>
+      </p:sp>
+      <p:sp>
+        <p:nvSpPr>
+          <p:cNvPr id="30" name="TextBox 29">
+            <a:extLst>
+              <a:ext uri="{FF2B5EF4-FFF2-40B4-BE49-F238E27FC236}">
+                <a16:creationId xmlns:a16="http://schemas.microsoft.com/office/drawing/2014/main" id="{16971C34-6842-49C5-9C17-67AE0536DA59}"/>
+              </a:ext>
+            </a:extLst>
+          </p:cNvPr>
+          <p:cNvSpPr txBox="1"/>
+          <p:nvPr/>
+        </p:nvSpPr>
+        <p:spPr>
+          <a:xfrm>
+            <a:off x="3462020" y="2262347"/>
+            <a:ext cx="1481142" cy="1277273"/>
+          </a:xfrm>
+          <a:prstGeom prst="rect">
+            <a:avLst/>
+          </a:prstGeom>
+          <a:noFill/>
+        </p:spPr>
+        <p:txBody>
+          <a:bodyPr wrap="square" rtlCol="0">
+            <a:spAutoFit/>
+          </a:bodyPr>
+          <a:lstStyle/>
+          <a:p>
+            <a:r>
+              <a:rPr lang="en-US" sz="1100" dirty="0"/>
+              <a:t>Providers</a:t>
+            </a:r>
+          </a:p>
+          <a:p>
+            <a:r>
+              <a:rPr lang="en-US" sz="1100" dirty="0"/>
+              <a:t>Patients</a:t>
+            </a:r>
+          </a:p>
+          <a:p>
+            <a:r>
+              <a:rPr lang="en-US" sz="1100" dirty="0"/>
+              <a:t>Care Givers</a:t>
+            </a:r>
+          </a:p>
+          <a:p>
+            <a:r>
+              <a:rPr lang="en-US" sz="1100" dirty="0"/>
+              <a:t>Clinical Systems</a:t>
+            </a:r>
+          </a:p>
+          <a:p>
+            <a:r>
+              <a:rPr lang="en-US" sz="1100" dirty="0"/>
+              <a:t>Patient Engagement</a:t>
+            </a:r>
+          </a:p>
+          <a:p>
+            <a:r>
+              <a:rPr lang="en-US" sz="1100" dirty="0"/>
+              <a:t>Healthcare Systems</a:t>
+            </a:r>
+          </a:p>
+          <a:p>
+            <a:r>
+              <a:rPr lang="en-US" sz="1100" dirty="0"/>
+              <a:t>Labs and Imaging</a:t>
+            </a:r>
+          </a:p>
+        </p:txBody>
+      </p:sp>
+      <p:sp>
+        <p:nvSpPr>
+          <p:cNvPr id="31" name="TextBox 30">
+            <a:extLst>
+              <a:ext uri="{FF2B5EF4-FFF2-40B4-BE49-F238E27FC236}">
+                <a16:creationId xmlns:a16="http://schemas.microsoft.com/office/drawing/2014/main" id="{4B649C0A-EAE4-47BC-9414-0FB319A287C4}"/>
+              </a:ext>
+            </a:extLst>
+          </p:cNvPr>
+          <p:cNvSpPr txBox="1"/>
+          <p:nvPr/>
+        </p:nvSpPr>
+        <p:spPr>
+          <a:xfrm>
+            <a:off x="7480305" y="2244402"/>
+            <a:ext cx="1612897" cy="938719"/>
+          </a:xfrm>
+          <a:prstGeom prst="rect">
+            <a:avLst/>
+          </a:prstGeom>
+          <a:noFill/>
+        </p:spPr>
+        <p:txBody>
+          <a:bodyPr wrap="square" rtlCol="0">
+            <a:spAutoFit/>
+          </a:bodyPr>
+          <a:lstStyle/>
+          <a:p>
+            <a:r>
+              <a:rPr lang="en-US" sz="1100" dirty="0"/>
+              <a:t>CDS Services</a:t>
+            </a:r>
+          </a:p>
+          <a:p>
+            <a:r>
+              <a:rPr lang="en-US" sz="1100" dirty="0"/>
+              <a:t>Aggregators</a:t>
+            </a:r>
+          </a:p>
+          <a:p>
+            <a:r>
+              <a:rPr lang="en-US" sz="1100" dirty="0"/>
+              <a:t>Clinical Registries</a:t>
+            </a:r>
+          </a:p>
+          <a:p>
+            <a:r>
+              <a:rPr lang="en-US" sz="1100" dirty="0"/>
+              <a:t>Public Health Agencies</a:t>
+            </a:r>
+          </a:p>
+          <a:p>
+            <a:r>
+              <a:rPr lang="en-US" sz="1100" dirty="0"/>
+              <a:t>Population Health</a:t>
+            </a:r>
+          </a:p>
+        </p:txBody>
+      </p:sp>
+      <p:sp>
+        <p:nvSpPr>
+          <p:cNvPr id="32" name="Rectangle: Rounded Corners 31">
+            <a:extLst>
+              <a:ext uri="{FF2B5EF4-FFF2-40B4-BE49-F238E27FC236}">
+                <a16:creationId xmlns:a16="http://schemas.microsoft.com/office/drawing/2014/main" id="{57971D83-D681-46C3-AA76-86952CA309B8}"/>
+              </a:ext>
+            </a:extLst>
+          </p:cNvPr>
+          <p:cNvSpPr/>
+          <p:nvPr/>
+        </p:nvSpPr>
+        <p:spPr>
+          <a:xfrm>
+            <a:off x="3863183" y="3801687"/>
+            <a:ext cx="4795834" cy="1018551"/>
+          </a:xfrm>
+          <a:prstGeom prst="roundRect">
+            <a:avLst/>
+          </a:prstGeom>
+        </p:spPr>
+        <p:style>
+          <a:lnRef idx="2">
+            <a:schemeClr val="dk1"/>
+          </a:lnRef>
+          <a:fillRef idx="1">
+            <a:schemeClr val="lt1"/>
+          </a:fillRef>
+          <a:effectRef idx="0">
+            <a:schemeClr val="dk1"/>
+          </a:effectRef>
+          <a:fontRef idx="minor">
+            <a:schemeClr val="dk1"/>
+          </a:fontRef>
+        </p:style>
+        <p:txBody>
+          <a:bodyPr rtlCol="0" anchor="ctr"/>
+          <a:lstStyle/>
+          <a:p>
+            <a:pPr algn="ctr"/>
+            <a:endParaRPr lang="en-US"/>
+          </a:p>
+        </p:txBody>
+      </p:sp>
+      <p:sp>
+        <p:nvSpPr>
+          <p:cNvPr id="33" name="TextBox 32">
+            <a:extLst>
+              <a:ext uri="{FF2B5EF4-FFF2-40B4-BE49-F238E27FC236}">
+                <a16:creationId xmlns:a16="http://schemas.microsoft.com/office/drawing/2014/main" id="{20714F33-C148-4DD7-B312-225AFC0F8712}"/>
+              </a:ext>
+            </a:extLst>
+          </p:cNvPr>
+          <p:cNvSpPr txBox="1"/>
+          <p:nvPr/>
+        </p:nvSpPr>
+        <p:spPr>
+          <a:xfrm>
+            <a:off x="3754831" y="4168466"/>
+            <a:ext cx="1968501" cy="369332"/>
+          </a:xfrm>
+          <a:prstGeom prst="rect">
+            <a:avLst/>
+          </a:prstGeom>
+          <a:noFill/>
+        </p:spPr>
+        <p:txBody>
+          <a:bodyPr wrap="square" rtlCol="0">
+            <a:spAutoFit/>
+          </a:bodyPr>
+          <a:lstStyle/>
+          <a:p>
+            <a:pPr algn="ctr"/>
+            <a:r>
+              <a:rPr lang="en-US" b="1" dirty="0"/>
+              <a:t>Specifiers</a:t>
+            </a:r>
+          </a:p>
+        </p:txBody>
+      </p:sp>
+      <p:sp>
+        <p:nvSpPr>
+          <p:cNvPr id="34" name="TextBox 33">
+            <a:extLst>
+              <a:ext uri="{FF2B5EF4-FFF2-40B4-BE49-F238E27FC236}">
+                <a16:creationId xmlns:a16="http://schemas.microsoft.com/office/drawing/2014/main" id="{F1861AE7-5041-4A28-B503-5148C40161E7}"/>
+              </a:ext>
+            </a:extLst>
+          </p:cNvPr>
+          <p:cNvSpPr txBox="1"/>
+          <p:nvPr/>
+        </p:nvSpPr>
+        <p:spPr>
+          <a:xfrm>
+            <a:off x="5464177" y="3971527"/>
+            <a:ext cx="1968501" cy="769441"/>
+          </a:xfrm>
+          <a:prstGeom prst="rect">
+            <a:avLst/>
+          </a:prstGeom>
+          <a:noFill/>
+        </p:spPr>
+        <p:txBody>
+          <a:bodyPr wrap="square" rtlCol="0">
+            <a:spAutoFit/>
+          </a:bodyPr>
+          <a:lstStyle/>
+          <a:p>
+            <a:r>
+              <a:rPr lang="en-US" sz="1100" dirty="0"/>
+              <a:t>Quality Agencies</a:t>
+            </a:r>
+          </a:p>
+          <a:p>
+            <a:r>
+              <a:rPr lang="en-US" sz="1100" dirty="0"/>
+              <a:t>Government Agencies</a:t>
+            </a:r>
+          </a:p>
+          <a:p>
+            <a:r>
+              <a:rPr lang="en-US" sz="1100" dirty="0"/>
+              <a:t>Industry Consortiums</a:t>
+            </a:r>
+          </a:p>
+          <a:p>
+            <a:r>
+              <a:rPr lang="en-US" sz="1100" dirty="0"/>
+              <a:t>Clinical Professional Societies</a:t>
+            </a:r>
+          </a:p>
+        </p:txBody>
+      </p:sp>
+      <p:sp>
+        <p:nvSpPr>
+          <p:cNvPr id="39" name="TextBox 38">
+            <a:extLst>
+              <a:ext uri="{FF2B5EF4-FFF2-40B4-BE49-F238E27FC236}">
+                <a16:creationId xmlns:a16="http://schemas.microsoft.com/office/drawing/2014/main" id="{71C81CAE-B658-4A4B-8763-C796C3E4A5B5}"/>
+              </a:ext>
+            </a:extLst>
+          </p:cNvPr>
+          <p:cNvSpPr txBox="1"/>
+          <p:nvPr/>
+        </p:nvSpPr>
+        <p:spPr>
+          <a:xfrm>
+            <a:off x="188663" y="201721"/>
+            <a:ext cx="4260910" cy="369332"/>
+          </a:xfrm>
+          <a:prstGeom prst="rect">
+            <a:avLst/>
+          </a:prstGeom>
+          <a:noFill/>
+        </p:spPr>
+        <p:txBody>
+          <a:bodyPr wrap="none" rtlCol="0">
+            <a:spAutoFit/>
+          </a:bodyPr>
+          <a:lstStyle/>
+          <a:p>
+            <a:r>
+              <a:rPr lang="en-US" dirty="0"/>
+              <a:t>Quality Measurement Standards Landscape</a:t>
+            </a:r>
+          </a:p>
+        </p:txBody>
+      </p:sp>
+      <p:sp>
+        <p:nvSpPr>
+          <p:cNvPr id="27" name="Flowchart: Multidocument 26">
+            <a:extLst>
+              <a:ext uri="{FF2B5EF4-FFF2-40B4-BE49-F238E27FC236}">
+                <a16:creationId xmlns:a16="http://schemas.microsoft.com/office/drawing/2014/main" id="{EC97916C-151B-4B97-8506-66160D311D61}"/>
+              </a:ext>
+            </a:extLst>
+          </p:cNvPr>
+          <p:cNvSpPr/>
+          <p:nvPr/>
+        </p:nvSpPr>
+        <p:spPr>
+          <a:xfrm>
+            <a:off x="1873954" y="2961352"/>
+            <a:ext cx="1272881" cy="1018550"/>
+          </a:xfrm>
+          <a:prstGeom prst="flowChartMultidocument">
+            <a:avLst/>
+          </a:prstGeom>
+        </p:spPr>
+        <p:style>
+          <a:lnRef idx="2">
+            <a:schemeClr val="dk1"/>
+          </a:lnRef>
+          <a:fillRef idx="1">
+            <a:schemeClr val="lt1"/>
+          </a:fillRef>
+          <a:effectRef idx="0">
+            <a:schemeClr val="dk1"/>
+          </a:effectRef>
+          <a:fontRef idx="minor">
+            <a:schemeClr val="dk1"/>
+          </a:fontRef>
+        </p:style>
+        <p:txBody>
+          <a:bodyPr rtlCol="0" anchor="ctr"/>
+          <a:lstStyle/>
+          <a:p>
+            <a:pPr algn="ctr"/>
+            <a:endParaRPr lang="en-US"/>
+          </a:p>
+        </p:txBody>
+      </p:sp>
+      <p:sp>
+        <p:nvSpPr>
+          <p:cNvPr id="28" name="TextBox 27">
+            <a:extLst>
+              <a:ext uri="{FF2B5EF4-FFF2-40B4-BE49-F238E27FC236}">
+                <a16:creationId xmlns:a16="http://schemas.microsoft.com/office/drawing/2014/main" id="{E96841A2-BD86-4350-B8DC-6995BB434C67}"/>
+              </a:ext>
+            </a:extLst>
+          </p:cNvPr>
+          <p:cNvSpPr txBox="1"/>
+          <p:nvPr/>
+        </p:nvSpPr>
+        <p:spPr>
+          <a:xfrm>
+            <a:off x="1797351" y="3264293"/>
+            <a:ext cx="1289050" cy="461665"/>
+          </a:xfrm>
+          <a:prstGeom prst="rect">
+            <a:avLst/>
+          </a:prstGeom>
+          <a:noFill/>
+        </p:spPr>
+        <p:txBody>
+          <a:bodyPr wrap="square" rtlCol="0">
+            <a:spAutoFit/>
+          </a:bodyPr>
+          <a:lstStyle/>
+          <a:p>
+            <a:pPr algn="ctr"/>
+            <a:r>
+              <a:rPr lang="en-US" sz="1200" dirty="0"/>
+              <a:t>Rules, Libraries</a:t>
+            </a:r>
+            <a:r>
+              <a:rPr lang="en-US" sz="1200"/>
+              <a:t>, Measures</a:t>
+            </a:r>
+            <a:endParaRPr lang="en-US" sz="1200" dirty="0"/>
+          </a:p>
+        </p:txBody>
+      </p:sp>
+    </p:spTree>
+    <p:extLst>
+      <p:ext uri="{BB962C8B-B14F-4D97-AF65-F5344CB8AC3E}">
+        <p14:creationId xmlns:p14="http://schemas.microsoft.com/office/powerpoint/2010/main" val="2119770479"/>
+      </p:ext>
+    </p:extLst>
+  </p:cSld>
+  <p:clrMapOvr>
+    <a:masterClrMapping/>
+  </p:clrMapOvr>
+</p:sld>
+</file>
+
+<file path=ppt/slides/slide4.xml><?xml version="1.0" encoding="utf-8"?>
+<p:sld xmlns:a="http://schemas.openxmlformats.org/drawingml/2006/main" xmlns:r="http://schemas.openxmlformats.org/officeDocument/2006/relationships" xmlns:p="http://schemas.openxmlformats.org/presentationml/2006/main">
+  <p:cSld>
+    <p:spTree>
+      <p:nvGrpSpPr>
+        <p:cNvPr id="1" name=""/>
+        <p:cNvGrpSpPr/>
+        <p:nvPr/>
+      </p:nvGrpSpPr>
+      <p:grpSpPr>
+        <a:xfrm>
+          <a:off x="0" y="0"/>
+          <a:ext cx="0" cy="0"/>
+          <a:chOff x="0" y="0"/>
+          <a:chExt cx="0" cy="0"/>
+        </a:xfrm>
+      </p:grpSpPr>
+      <p:sp>
+        <p:nvSpPr>
           <p:cNvPr id="5" name="Trapezoid 4">
             <a:extLst>
               <a:ext uri="{FF2B5EF4-FFF2-40B4-BE49-F238E27FC236}">
@@ -6097,6 +7330,1914 @@
     <p:extLst>
       <p:ext uri="{BB962C8B-B14F-4D97-AF65-F5344CB8AC3E}">
         <p14:creationId xmlns:p14="http://schemas.microsoft.com/office/powerpoint/2010/main" val="443574612"/>
+      </p:ext>
+    </p:extLst>
+  </p:cSld>
+  <p:clrMapOvr>
+    <a:masterClrMapping/>
+  </p:clrMapOvr>
+</p:sld>
+</file>
+
+<file path=ppt/slides/slide5.xml><?xml version="1.0" encoding="utf-8"?>
+<p:sld xmlns:a="http://schemas.openxmlformats.org/drawingml/2006/main" xmlns:r="http://schemas.openxmlformats.org/officeDocument/2006/relationships" xmlns:p="http://schemas.openxmlformats.org/presentationml/2006/main">
+  <p:cSld>
+    <p:spTree>
+      <p:nvGrpSpPr>
+        <p:cNvPr id="1" name=""/>
+        <p:cNvGrpSpPr/>
+        <p:nvPr/>
+      </p:nvGrpSpPr>
+      <p:grpSpPr>
+        <a:xfrm>
+          <a:off x="0" y="0"/>
+          <a:ext cx="0" cy="0"/>
+          <a:chOff x="0" y="0"/>
+          <a:chExt cx="0" cy="0"/>
+        </a:xfrm>
+      </p:grpSpPr>
+      <p:sp>
+        <p:nvSpPr>
+          <p:cNvPr id="5" name="Trapezoid 4">
+            <a:extLst>
+              <a:ext uri="{FF2B5EF4-FFF2-40B4-BE49-F238E27FC236}">
+                <a16:creationId xmlns:a16="http://schemas.microsoft.com/office/drawing/2014/main" id="{74DF24FE-5007-4763-BE3F-A86B44B2A45E}"/>
+              </a:ext>
+            </a:extLst>
+          </p:cNvPr>
+          <p:cNvSpPr/>
+          <p:nvPr/>
+        </p:nvSpPr>
+        <p:spPr>
+          <a:xfrm>
+            <a:off x="2551112" y="4495800"/>
+            <a:ext cx="8153400" cy="1028700"/>
+          </a:xfrm>
+          <a:prstGeom prst="trapezoid">
+            <a:avLst>
+              <a:gd name="adj" fmla="val 50926"/>
+            </a:avLst>
+          </a:prstGeom>
+        </p:spPr>
+        <p:style>
+          <a:lnRef idx="1">
+            <a:schemeClr val="accent2"/>
+          </a:lnRef>
+          <a:fillRef idx="2">
+            <a:schemeClr val="accent2"/>
+          </a:fillRef>
+          <a:effectRef idx="1">
+            <a:schemeClr val="accent2"/>
+          </a:effectRef>
+          <a:fontRef idx="minor">
+            <a:schemeClr val="dk1"/>
+          </a:fontRef>
+        </p:style>
+        <p:txBody>
+          <a:bodyPr rtlCol="0" anchor="ctr"/>
+          <a:lstStyle/>
+          <a:p>
+            <a:pPr algn="ctr"/>
+            <a:r>
+              <a:rPr lang="en-US" dirty="0"/>
+              <a:t>Universally applicable resources and guidance</a:t>
+            </a:r>
+          </a:p>
+        </p:txBody>
+      </p:sp>
+      <p:sp>
+        <p:nvSpPr>
+          <p:cNvPr id="6" name="Trapezoid 5">
+            <a:extLst>
+              <a:ext uri="{FF2B5EF4-FFF2-40B4-BE49-F238E27FC236}">
+                <a16:creationId xmlns:a16="http://schemas.microsoft.com/office/drawing/2014/main" id="{50B2B962-9349-4B5B-8FF3-CF5DDD2DEA35}"/>
+              </a:ext>
+            </a:extLst>
+          </p:cNvPr>
+          <p:cNvSpPr/>
+          <p:nvPr/>
+        </p:nvSpPr>
+        <p:spPr>
+          <a:xfrm>
+            <a:off x="3087687" y="3467100"/>
+            <a:ext cx="7070725" cy="1028700"/>
+          </a:xfrm>
+          <a:prstGeom prst="trapezoid">
+            <a:avLst>
+              <a:gd name="adj" fmla="val 50926"/>
+            </a:avLst>
+          </a:prstGeom>
+        </p:spPr>
+        <p:style>
+          <a:lnRef idx="1">
+            <a:schemeClr val="accent3"/>
+          </a:lnRef>
+          <a:fillRef idx="2">
+            <a:schemeClr val="accent3"/>
+          </a:fillRef>
+          <a:effectRef idx="1">
+            <a:schemeClr val="accent3"/>
+          </a:effectRef>
+          <a:fontRef idx="minor">
+            <a:schemeClr val="dk1"/>
+          </a:fontRef>
+        </p:style>
+        <p:txBody>
+          <a:bodyPr rtlCol="0" anchor="ctr"/>
+          <a:lstStyle/>
+          <a:p>
+            <a:pPr algn="ctr"/>
+            <a:r>
+              <a:rPr lang="en-US" dirty="0"/>
+              <a:t>US Realm specific profiles</a:t>
+            </a:r>
+          </a:p>
+        </p:txBody>
+      </p:sp>
+      <p:sp>
+        <p:nvSpPr>
+          <p:cNvPr id="7" name="Trapezoid 6">
+            <a:extLst>
+              <a:ext uri="{FF2B5EF4-FFF2-40B4-BE49-F238E27FC236}">
+                <a16:creationId xmlns:a16="http://schemas.microsoft.com/office/drawing/2014/main" id="{D5F8BA9C-B816-420E-8BA6-29E06DF95C8C}"/>
+              </a:ext>
+            </a:extLst>
+          </p:cNvPr>
+          <p:cNvSpPr/>
+          <p:nvPr/>
+        </p:nvSpPr>
+        <p:spPr>
+          <a:xfrm>
+            <a:off x="3621087" y="2438400"/>
+            <a:ext cx="6016625" cy="1028700"/>
+          </a:xfrm>
+          <a:prstGeom prst="trapezoid">
+            <a:avLst>
+              <a:gd name="adj" fmla="val 50926"/>
+            </a:avLst>
+          </a:prstGeom>
+        </p:spPr>
+        <p:style>
+          <a:lnRef idx="1">
+            <a:schemeClr val="accent4"/>
+          </a:lnRef>
+          <a:fillRef idx="2">
+            <a:schemeClr val="accent4"/>
+          </a:fillRef>
+          <a:effectRef idx="1">
+            <a:schemeClr val="accent4"/>
+          </a:effectRef>
+          <a:fontRef idx="minor">
+            <a:schemeClr val="dk1"/>
+          </a:fontRef>
+        </p:style>
+        <p:txBody>
+          <a:bodyPr rtlCol="0" anchor="ctr"/>
+          <a:lstStyle/>
+          <a:p>
+            <a:pPr algn="ctr"/>
+            <a:r>
+              <a:rPr lang="en-US" dirty="0"/>
+              <a:t>Quality Improvement focused</a:t>
+            </a:r>
+          </a:p>
+        </p:txBody>
+      </p:sp>
+      <p:sp>
+        <p:nvSpPr>
+          <p:cNvPr id="8" name="Trapezoid 7">
+            <a:extLst>
+              <a:ext uri="{FF2B5EF4-FFF2-40B4-BE49-F238E27FC236}">
+                <a16:creationId xmlns:a16="http://schemas.microsoft.com/office/drawing/2014/main" id="{58D92A33-8EEC-4B0F-A875-C570D8F758F1}"/>
+              </a:ext>
+            </a:extLst>
+          </p:cNvPr>
+          <p:cNvSpPr/>
+          <p:nvPr/>
+        </p:nvSpPr>
+        <p:spPr>
+          <a:xfrm>
+            <a:off x="4141787" y="1409700"/>
+            <a:ext cx="4975225" cy="1028700"/>
+          </a:xfrm>
+          <a:prstGeom prst="trapezoid">
+            <a:avLst>
+              <a:gd name="adj" fmla="val 50926"/>
+            </a:avLst>
+          </a:prstGeom>
+        </p:spPr>
+        <p:style>
+          <a:lnRef idx="1">
+            <a:schemeClr val="accent1"/>
+          </a:lnRef>
+          <a:fillRef idx="2">
+            <a:schemeClr val="accent1"/>
+          </a:fillRef>
+          <a:effectRef idx="1">
+            <a:schemeClr val="accent1"/>
+          </a:effectRef>
+          <a:fontRef idx="minor">
+            <a:schemeClr val="dk1"/>
+          </a:fontRef>
+        </p:style>
+        <p:txBody>
+          <a:bodyPr rtlCol="0" anchor="ctr"/>
+          <a:lstStyle/>
+          <a:p>
+            <a:pPr algn="ctr"/>
+            <a:r>
+              <a:rPr lang="en-US" dirty="0"/>
+              <a:t>Use case focused</a:t>
+            </a:r>
+          </a:p>
+        </p:txBody>
+      </p:sp>
+      <p:sp>
+        <p:nvSpPr>
+          <p:cNvPr id="10" name="Rectangle 9">
+            <a:extLst>
+              <a:ext uri="{FF2B5EF4-FFF2-40B4-BE49-F238E27FC236}">
+                <a16:creationId xmlns:a16="http://schemas.microsoft.com/office/drawing/2014/main" id="{B1230B7B-CB86-41C2-8818-A7793453FB67}"/>
+              </a:ext>
+            </a:extLst>
+          </p:cNvPr>
+          <p:cNvSpPr/>
+          <p:nvPr/>
+        </p:nvSpPr>
+        <p:spPr>
+          <a:xfrm>
+            <a:off x="1193800" y="4826000"/>
+            <a:ext cx="2120900" cy="368300"/>
+          </a:xfrm>
+          <a:prstGeom prst="rect">
+            <a:avLst/>
+          </a:prstGeom>
+        </p:spPr>
+        <p:style>
+          <a:lnRef idx="1">
+            <a:schemeClr val="accent2"/>
+          </a:lnRef>
+          <a:fillRef idx="2">
+            <a:schemeClr val="accent2"/>
+          </a:fillRef>
+          <a:effectRef idx="1">
+            <a:schemeClr val="accent2"/>
+          </a:effectRef>
+          <a:fontRef idx="minor">
+            <a:schemeClr val="dk1"/>
+          </a:fontRef>
+        </p:style>
+        <p:txBody>
+          <a:bodyPr rtlCol="0" anchor="ctr"/>
+          <a:lstStyle/>
+          <a:p>
+            <a:pPr algn="ctr"/>
+            <a:r>
+              <a:rPr lang="en-US" dirty="0"/>
+              <a:t>FHIR</a:t>
+            </a:r>
+          </a:p>
+        </p:txBody>
+      </p:sp>
+      <p:sp>
+        <p:nvSpPr>
+          <p:cNvPr id="11" name="Rectangle 10">
+            <a:extLst>
+              <a:ext uri="{FF2B5EF4-FFF2-40B4-BE49-F238E27FC236}">
+                <a16:creationId xmlns:a16="http://schemas.microsoft.com/office/drawing/2014/main" id="{07191C11-0908-47DE-BA7D-FF6C65FB0B91}"/>
+              </a:ext>
+            </a:extLst>
+          </p:cNvPr>
+          <p:cNvSpPr/>
+          <p:nvPr/>
+        </p:nvSpPr>
+        <p:spPr>
+          <a:xfrm>
+            <a:off x="1193800" y="3797300"/>
+            <a:ext cx="2120900" cy="368300"/>
+          </a:xfrm>
+          <a:prstGeom prst="rect">
+            <a:avLst/>
+          </a:prstGeom>
+        </p:spPr>
+        <p:style>
+          <a:lnRef idx="1">
+            <a:schemeClr val="accent3"/>
+          </a:lnRef>
+          <a:fillRef idx="2">
+            <a:schemeClr val="accent3"/>
+          </a:fillRef>
+          <a:effectRef idx="1">
+            <a:schemeClr val="accent3"/>
+          </a:effectRef>
+          <a:fontRef idx="minor">
+            <a:schemeClr val="dk1"/>
+          </a:fontRef>
+        </p:style>
+        <p:txBody>
+          <a:bodyPr rtlCol="0" anchor="ctr"/>
+          <a:lstStyle/>
+          <a:p>
+            <a:pPr algn="ctr"/>
+            <a:r>
+              <a:rPr lang="en-US" dirty="0"/>
+              <a:t>US Core</a:t>
+            </a:r>
+          </a:p>
+        </p:txBody>
+      </p:sp>
+      <p:sp>
+        <p:nvSpPr>
+          <p:cNvPr id="12" name="Rectangle 11">
+            <a:extLst>
+              <a:ext uri="{FF2B5EF4-FFF2-40B4-BE49-F238E27FC236}">
+                <a16:creationId xmlns:a16="http://schemas.microsoft.com/office/drawing/2014/main" id="{3E920B8A-C1BD-46CE-9080-20E9DE13D2EC}"/>
+              </a:ext>
+            </a:extLst>
+          </p:cNvPr>
+          <p:cNvSpPr/>
+          <p:nvPr/>
+        </p:nvSpPr>
+        <p:spPr>
+          <a:xfrm>
+            <a:off x="1193800" y="2768600"/>
+            <a:ext cx="2120900" cy="368300"/>
+          </a:xfrm>
+          <a:prstGeom prst="rect">
+            <a:avLst/>
+          </a:prstGeom>
+        </p:spPr>
+        <p:style>
+          <a:lnRef idx="1">
+            <a:schemeClr val="accent4"/>
+          </a:lnRef>
+          <a:fillRef idx="2">
+            <a:schemeClr val="accent4"/>
+          </a:fillRef>
+          <a:effectRef idx="1">
+            <a:schemeClr val="accent4"/>
+          </a:effectRef>
+          <a:fontRef idx="minor">
+            <a:schemeClr val="dk1"/>
+          </a:fontRef>
+        </p:style>
+        <p:txBody>
+          <a:bodyPr rtlCol="0" anchor="ctr"/>
+          <a:lstStyle/>
+          <a:p>
+            <a:pPr algn="ctr"/>
+            <a:r>
+              <a:rPr lang="en-US" dirty="0"/>
+              <a:t>QI Core</a:t>
+            </a:r>
+          </a:p>
+        </p:txBody>
+      </p:sp>
+      <p:sp>
+        <p:nvSpPr>
+          <p:cNvPr id="13" name="Rectangle 12">
+            <a:extLst>
+              <a:ext uri="{FF2B5EF4-FFF2-40B4-BE49-F238E27FC236}">
+                <a16:creationId xmlns:a16="http://schemas.microsoft.com/office/drawing/2014/main" id="{5F0E9B49-D113-473E-AA9D-7B2E8A38E8EF}"/>
+              </a:ext>
+            </a:extLst>
+          </p:cNvPr>
+          <p:cNvSpPr/>
+          <p:nvPr/>
+        </p:nvSpPr>
+        <p:spPr>
+          <a:xfrm>
+            <a:off x="1193800" y="1739900"/>
+            <a:ext cx="2120900" cy="368300"/>
+          </a:xfrm>
+          <a:prstGeom prst="rect">
+            <a:avLst/>
+          </a:prstGeom>
+        </p:spPr>
+        <p:style>
+          <a:lnRef idx="1">
+            <a:schemeClr val="accent1"/>
+          </a:lnRef>
+          <a:fillRef idx="2">
+            <a:schemeClr val="accent1"/>
+          </a:fillRef>
+          <a:effectRef idx="1">
+            <a:schemeClr val="accent1"/>
+          </a:effectRef>
+          <a:fontRef idx="minor">
+            <a:schemeClr val="dk1"/>
+          </a:fontRef>
+        </p:style>
+        <p:txBody>
+          <a:bodyPr rtlCol="0" anchor="ctr"/>
+          <a:lstStyle/>
+          <a:p>
+            <a:pPr algn="ctr"/>
+            <a:r>
+              <a:rPr lang="en-US" dirty="0"/>
+              <a:t>Content</a:t>
+            </a:r>
+          </a:p>
+        </p:txBody>
+      </p:sp>
+      <p:sp>
+        <p:nvSpPr>
+          <p:cNvPr id="14" name="Arrow: Down 13">
+            <a:extLst>
+              <a:ext uri="{FF2B5EF4-FFF2-40B4-BE49-F238E27FC236}">
+                <a16:creationId xmlns:a16="http://schemas.microsoft.com/office/drawing/2014/main" id="{639D5AAE-8AA3-4833-A148-7B002C90B6CC}"/>
+              </a:ext>
+            </a:extLst>
+          </p:cNvPr>
+          <p:cNvSpPr/>
+          <p:nvPr/>
+        </p:nvSpPr>
+        <p:spPr>
+          <a:xfrm rot="10800000">
+            <a:off x="10250614" y="1739900"/>
+            <a:ext cx="315786" cy="3245104"/>
+          </a:xfrm>
+          <a:prstGeom prst="downArrow">
+            <a:avLst/>
+          </a:prstGeom>
+          <a:gradFill>
+            <a:gsLst>
+              <a:gs pos="0">
+                <a:schemeClr val="accent2">
+                  <a:lumMod val="60000"/>
+                  <a:lumOff val="40000"/>
+                </a:schemeClr>
+              </a:gs>
+              <a:gs pos="35000">
+                <a:schemeClr val="bg2">
+                  <a:lumMod val="75000"/>
+                </a:schemeClr>
+              </a:gs>
+              <a:gs pos="61000">
+                <a:schemeClr val="accent4">
+                  <a:lumMod val="20000"/>
+                  <a:lumOff val="80000"/>
+                </a:schemeClr>
+              </a:gs>
+              <a:gs pos="85000">
+                <a:schemeClr val="accent1">
+                  <a:lumMod val="60000"/>
+                  <a:lumOff val="40000"/>
+                </a:schemeClr>
+              </a:gs>
+            </a:gsLst>
+            <a:lin ang="5400000" scaled="1"/>
+          </a:gradFill>
+        </p:spPr>
+        <p:style>
+          <a:lnRef idx="2">
+            <a:schemeClr val="accent1">
+              <a:shade val="50000"/>
+            </a:schemeClr>
+          </a:lnRef>
+          <a:fillRef idx="1">
+            <a:schemeClr val="accent1"/>
+          </a:fillRef>
+          <a:effectRef idx="0">
+            <a:schemeClr val="accent1"/>
+          </a:effectRef>
+          <a:fontRef idx="minor">
+            <a:schemeClr val="lt1"/>
+          </a:fontRef>
+        </p:style>
+        <p:txBody>
+          <a:bodyPr rtlCol="0" anchor="ctr"/>
+          <a:lstStyle/>
+          <a:p>
+            <a:pPr algn="ctr"/>
+            <a:endParaRPr lang="en-US"/>
+          </a:p>
+        </p:txBody>
+      </p:sp>
+      <p:sp>
+        <p:nvSpPr>
+          <p:cNvPr id="15" name="TextBox 14">
+            <a:extLst>
+              <a:ext uri="{FF2B5EF4-FFF2-40B4-BE49-F238E27FC236}">
+                <a16:creationId xmlns:a16="http://schemas.microsoft.com/office/drawing/2014/main" id="{31A92138-6F0B-4D0C-B488-D21523198A44}"/>
+              </a:ext>
+            </a:extLst>
+          </p:cNvPr>
+          <p:cNvSpPr txBox="1"/>
+          <p:nvPr/>
+        </p:nvSpPr>
+        <p:spPr>
+          <a:xfrm rot="16200000">
+            <a:off x="9370050" y="3121791"/>
+            <a:ext cx="2762038" cy="369332"/>
+          </a:xfrm>
+          <a:prstGeom prst="rect">
+            <a:avLst/>
+          </a:prstGeom>
+          <a:noFill/>
+        </p:spPr>
+        <p:txBody>
+          <a:bodyPr wrap="none" rtlCol="0">
+            <a:spAutoFit/>
+          </a:bodyPr>
+          <a:lstStyle/>
+          <a:p>
+            <a:r>
+              <a:rPr lang="en-US" dirty="0"/>
+              <a:t>Constraint-based Definition</a:t>
+            </a:r>
+          </a:p>
+        </p:txBody>
+      </p:sp>
+      <p:sp>
+        <p:nvSpPr>
+          <p:cNvPr id="16" name="Arrow: Down 15">
+            <a:extLst>
+              <a:ext uri="{FF2B5EF4-FFF2-40B4-BE49-F238E27FC236}">
+                <a16:creationId xmlns:a16="http://schemas.microsoft.com/office/drawing/2014/main" id="{FD7F0013-E967-4918-BB1A-6C68139D125F}"/>
+              </a:ext>
+            </a:extLst>
+          </p:cNvPr>
+          <p:cNvSpPr/>
+          <p:nvPr/>
+        </p:nvSpPr>
+        <p:spPr>
+          <a:xfrm>
+            <a:off x="1404883" y="2203238"/>
+            <a:ext cx="220717" cy="482600"/>
+          </a:xfrm>
+          <a:prstGeom prst="downArrow">
+            <a:avLst/>
+          </a:prstGeom>
+          <a:gradFill>
+            <a:gsLst>
+              <a:gs pos="0">
+                <a:schemeClr val="accent1">
+                  <a:lumMod val="60000"/>
+                  <a:lumOff val="40000"/>
+                </a:schemeClr>
+              </a:gs>
+              <a:gs pos="100000">
+                <a:schemeClr val="accent4">
+                  <a:lumMod val="60000"/>
+                  <a:lumOff val="40000"/>
+                </a:schemeClr>
+              </a:gs>
+            </a:gsLst>
+            <a:lin ang="5400000" scaled="1"/>
+          </a:gradFill>
+        </p:spPr>
+        <p:style>
+          <a:lnRef idx="2">
+            <a:schemeClr val="accent1">
+              <a:shade val="50000"/>
+            </a:schemeClr>
+          </a:lnRef>
+          <a:fillRef idx="1">
+            <a:schemeClr val="accent1"/>
+          </a:fillRef>
+          <a:effectRef idx="0">
+            <a:schemeClr val="accent1"/>
+          </a:effectRef>
+          <a:fontRef idx="minor">
+            <a:schemeClr val="lt1"/>
+          </a:fontRef>
+        </p:style>
+        <p:txBody>
+          <a:bodyPr rtlCol="0" anchor="ctr"/>
+          <a:lstStyle/>
+          <a:p>
+            <a:pPr algn="ctr"/>
+            <a:endParaRPr lang="en-US"/>
+          </a:p>
+        </p:txBody>
+      </p:sp>
+      <p:sp>
+        <p:nvSpPr>
+          <p:cNvPr id="17" name="Arrow: Down 16">
+            <a:extLst>
+              <a:ext uri="{FF2B5EF4-FFF2-40B4-BE49-F238E27FC236}">
+                <a16:creationId xmlns:a16="http://schemas.microsoft.com/office/drawing/2014/main" id="{57BFF4D7-DBF5-49CE-9AAF-D07FBA4A9F1E}"/>
+              </a:ext>
+            </a:extLst>
+          </p:cNvPr>
+          <p:cNvSpPr/>
+          <p:nvPr/>
+        </p:nvSpPr>
+        <p:spPr>
+          <a:xfrm>
+            <a:off x="1404882" y="3238501"/>
+            <a:ext cx="220717" cy="482600"/>
+          </a:xfrm>
+          <a:prstGeom prst="downArrow">
+            <a:avLst/>
+          </a:prstGeom>
+          <a:gradFill>
+            <a:gsLst>
+              <a:gs pos="0">
+                <a:schemeClr val="accent4">
+                  <a:lumMod val="60000"/>
+                  <a:lumOff val="40000"/>
+                </a:schemeClr>
+              </a:gs>
+              <a:gs pos="100000">
+                <a:schemeClr val="accent3">
+                  <a:lumMod val="60000"/>
+                  <a:lumOff val="40000"/>
+                </a:schemeClr>
+              </a:gs>
+            </a:gsLst>
+            <a:lin ang="5400000" scaled="1"/>
+          </a:gradFill>
+        </p:spPr>
+        <p:style>
+          <a:lnRef idx="2">
+            <a:schemeClr val="accent1">
+              <a:shade val="50000"/>
+            </a:schemeClr>
+          </a:lnRef>
+          <a:fillRef idx="1">
+            <a:schemeClr val="accent1"/>
+          </a:fillRef>
+          <a:effectRef idx="0">
+            <a:schemeClr val="accent1"/>
+          </a:effectRef>
+          <a:fontRef idx="minor">
+            <a:schemeClr val="lt1"/>
+          </a:fontRef>
+        </p:style>
+        <p:txBody>
+          <a:bodyPr rtlCol="0" anchor="ctr"/>
+          <a:lstStyle/>
+          <a:p>
+            <a:pPr algn="ctr"/>
+            <a:endParaRPr lang="en-US"/>
+          </a:p>
+        </p:txBody>
+      </p:sp>
+      <p:sp>
+        <p:nvSpPr>
+          <p:cNvPr id="18" name="Arrow: Down 17">
+            <a:extLst>
+              <a:ext uri="{FF2B5EF4-FFF2-40B4-BE49-F238E27FC236}">
+                <a16:creationId xmlns:a16="http://schemas.microsoft.com/office/drawing/2014/main" id="{3D68A192-3A6E-4946-AA32-A499676C9849}"/>
+              </a:ext>
+            </a:extLst>
+          </p:cNvPr>
+          <p:cNvSpPr/>
+          <p:nvPr/>
+        </p:nvSpPr>
+        <p:spPr>
+          <a:xfrm>
+            <a:off x="1404882" y="4241799"/>
+            <a:ext cx="220717" cy="482600"/>
+          </a:xfrm>
+          <a:prstGeom prst="downArrow">
+            <a:avLst/>
+          </a:prstGeom>
+          <a:gradFill>
+            <a:gsLst>
+              <a:gs pos="0">
+                <a:schemeClr val="accent3">
+                  <a:lumMod val="60000"/>
+                  <a:lumOff val="40000"/>
+                </a:schemeClr>
+              </a:gs>
+              <a:gs pos="100000">
+                <a:schemeClr val="accent2">
+                  <a:lumMod val="60000"/>
+                  <a:lumOff val="40000"/>
+                </a:schemeClr>
+              </a:gs>
+            </a:gsLst>
+            <a:lin ang="5400000" scaled="1"/>
+          </a:gradFill>
+        </p:spPr>
+        <p:style>
+          <a:lnRef idx="2">
+            <a:schemeClr val="accent1">
+              <a:shade val="50000"/>
+            </a:schemeClr>
+          </a:lnRef>
+          <a:fillRef idx="1">
+            <a:schemeClr val="accent1"/>
+          </a:fillRef>
+          <a:effectRef idx="0">
+            <a:schemeClr val="accent1"/>
+          </a:effectRef>
+          <a:fontRef idx="minor">
+            <a:schemeClr val="lt1"/>
+          </a:fontRef>
+        </p:style>
+        <p:txBody>
+          <a:bodyPr rtlCol="0" anchor="ctr"/>
+          <a:lstStyle/>
+          <a:p>
+            <a:pPr algn="ctr"/>
+            <a:endParaRPr lang="en-US"/>
+          </a:p>
+        </p:txBody>
+      </p:sp>
+      <p:sp>
+        <p:nvSpPr>
+          <p:cNvPr id="19" name="TextBox 18">
+            <a:extLst>
+              <a:ext uri="{FF2B5EF4-FFF2-40B4-BE49-F238E27FC236}">
+                <a16:creationId xmlns:a16="http://schemas.microsoft.com/office/drawing/2014/main" id="{2BE96E4D-4470-44D8-93A2-731D8FE9B845}"/>
+              </a:ext>
+            </a:extLst>
+          </p:cNvPr>
+          <p:cNvSpPr txBox="1"/>
+          <p:nvPr/>
+        </p:nvSpPr>
+        <p:spPr>
+          <a:xfrm rot="5400000">
+            <a:off x="-572017" y="3295134"/>
+            <a:ext cx="2859565" cy="369332"/>
+          </a:xfrm>
+          <a:prstGeom prst="rect">
+            <a:avLst/>
+          </a:prstGeom>
+          <a:noFill/>
+        </p:spPr>
+        <p:txBody>
+          <a:bodyPr wrap="none" rtlCol="0">
+            <a:spAutoFit/>
+          </a:bodyPr>
+          <a:lstStyle/>
+          <a:p>
+            <a:r>
+              <a:rPr lang="en-US" dirty="0"/>
+              <a:t>Consensus-based Promotion</a:t>
+            </a:r>
+          </a:p>
+        </p:txBody>
+      </p:sp>
+      <p:sp>
+        <p:nvSpPr>
+          <p:cNvPr id="20" name="TextBox 19">
+            <a:extLst>
+              <a:ext uri="{FF2B5EF4-FFF2-40B4-BE49-F238E27FC236}">
+                <a16:creationId xmlns:a16="http://schemas.microsoft.com/office/drawing/2014/main" id="{7BF904E7-B6D7-4EE0-BB67-E2905293C276}"/>
+              </a:ext>
+            </a:extLst>
+          </p:cNvPr>
+          <p:cNvSpPr txBox="1"/>
+          <p:nvPr/>
+        </p:nvSpPr>
+        <p:spPr>
+          <a:xfrm>
+            <a:off x="188663" y="201721"/>
+            <a:ext cx="3307316" cy="369332"/>
+          </a:xfrm>
+          <a:prstGeom prst="rect">
+            <a:avLst/>
+          </a:prstGeom>
+          <a:noFill/>
+        </p:spPr>
+        <p:txBody>
+          <a:bodyPr wrap="none" rtlCol="0">
+            <a:spAutoFit/>
+          </a:bodyPr>
+          <a:lstStyle/>
+          <a:p>
+            <a:r>
+              <a:rPr lang="en-US" dirty="0"/>
+              <a:t>Data Model Standards Landscape</a:t>
+            </a:r>
+          </a:p>
+        </p:txBody>
+      </p:sp>
+    </p:spTree>
+    <p:extLst>
+      <p:ext uri="{BB962C8B-B14F-4D97-AF65-F5344CB8AC3E}">
+        <p14:creationId xmlns:p14="http://schemas.microsoft.com/office/powerpoint/2010/main" val="943446967"/>
+      </p:ext>
+    </p:extLst>
+  </p:cSld>
+  <p:clrMapOvr>
+    <a:masterClrMapping/>
+  </p:clrMapOvr>
+</p:sld>
+</file>
+
+<file path=ppt/slides/slide6.xml><?xml version="1.0" encoding="utf-8"?>
+<p:sld xmlns:a="http://schemas.openxmlformats.org/drawingml/2006/main" xmlns:r="http://schemas.openxmlformats.org/officeDocument/2006/relationships" xmlns:p="http://schemas.openxmlformats.org/presentationml/2006/main">
+  <p:cSld>
+    <p:spTree>
+      <p:nvGrpSpPr>
+        <p:cNvPr id="1" name=""/>
+        <p:cNvGrpSpPr/>
+        <p:nvPr/>
+      </p:nvGrpSpPr>
+      <p:grpSpPr>
+        <a:xfrm>
+          <a:off x="0" y="0"/>
+          <a:ext cx="0" cy="0"/>
+          <a:chOff x="0" y="0"/>
+          <a:chExt cx="0" cy="0"/>
+        </a:xfrm>
+      </p:grpSpPr>
+      <p:sp>
+        <p:nvSpPr>
+          <p:cNvPr id="2" name="Title 1">
+            <a:extLst>
+              <a:ext uri="{FF2B5EF4-FFF2-40B4-BE49-F238E27FC236}">
+                <a16:creationId xmlns:a16="http://schemas.microsoft.com/office/drawing/2014/main" id="{8905E8EF-F08A-4697-A0C4-EC1BE5F60C31}"/>
+              </a:ext>
+            </a:extLst>
+          </p:cNvPr>
+          <p:cNvSpPr>
+            <a:spLocks noGrp="1"/>
+          </p:cNvSpPr>
+          <p:nvPr>
+            <p:ph type="title"/>
+          </p:nvPr>
+        </p:nvSpPr>
+        <p:spPr>
+          <a:xfrm>
+            <a:off x="838200" y="365125"/>
+            <a:ext cx="10515600" cy="1325563"/>
+          </a:xfrm>
+        </p:spPr>
+        <p:txBody>
+          <a:bodyPr/>
+          <a:lstStyle/>
+          <a:p>
+            <a:r>
+              <a:rPr lang="en-US" dirty="0"/>
+              <a:t>Quality Improvement Ecosystem</a:t>
+            </a:r>
+          </a:p>
+        </p:txBody>
+      </p:sp>
+      <p:sp>
+        <p:nvSpPr>
+          <p:cNvPr id="56" name="TextBox 55">
+            <a:extLst>
+              <a:ext uri="{FF2B5EF4-FFF2-40B4-BE49-F238E27FC236}">
+                <a16:creationId xmlns:a16="http://schemas.microsoft.com/office/drawing/2014/main" id="{261DBFD1-1BF8-489A-B090-89B99C9A9447}"/>
+              </a:ext>
+            </a:extLst>
+          </p:cNvPr>
+          <p:cNvSpPr txBox="1"/>
+          <p:nvPr/>
+        </p:nvSpPr>
+        <p:spPr>
+          <a:xfrm>
+            <a:off x="1529852" y="2354545"/>
+            <a:ext cx="2169322" cy="830997"/>
+          </a:xfrm>
+          <a:prstGeom prst="rect">
+            <a:avLst/>
+          </a:prstGeom>
+          <a:noFill/>
+        </p:spPr>
+        <p:txBody>
+          <a:bodyPr wrap="square" rtlCol="0">
+            <a:spAutoFit/>
+          </a:bodyPr>
+          <a:lstStyle/>
+          <a:p>
+            <a:pPr algn="ctr"/>
+            <a:r>
+              <a:rPr lang="en-US" sz="1600" b="1" dirty="0"/>
+              <a:t>1. RESEARCH, PAYER &amp; PUBLIC HEALTH SURVEILLANCE</a:t>
+            </a:r>
+          </a:p>
+        </p:txBody>
+      </p:sp>
+      <p:sp>
+        <p:nvSpPr>
+          <p:cNvPr id="57" name="TextBox 56">
+            <a:extLst>
+              <a:ext uri="{FF2B5EF4-FFF2-40B4-BE49-F238E27FC236}">
+                <a16:creationId xmlns:a16="http://schemas.microsoft.com/office/drawing/2014/main" id="{C95949AD-377D-4930-AD53-6A96513F74C8}"/>
+              </a:ext>
+            </a:extLst>
+          </p:cNvPr>
+          <p:cNvSpPr txBox="1"/>
+          <p:nvPr/>
+        </p:nvSpPr>
+        <p:spPr>
+          <a:xfrm>
+            <a:off x="1722629" y="3119791"/>
+            <a:ext cx="1724824" cy="461665"/>
+          </a:xfrm>
+          <a:prstGeom prst="rect">
+            <a:avLst/>
+          </a:prstGeom>
+          <a:noFill/>
+        </p:spPr>
+        <p:txBody>
+          <a:bodyPr wrap="square" rtlCol="0">
+            <a:spAutoFit/>
+          </a:bodyPr>
+          <a:lstStyle/>
+          <a:p>
+            <a:pPr algn="ctr"/>
+            <a:r>
+              <a:rPr lang="en-US" sz="1200" dirty="0">
+                <a:solidFill>
+                  <a:schemeClr val="accent4">
+                    <a:lumMod val="75000"/>
+                  </a:schemeClr>
+                </a:solidFill>
+              </a:rPr>
+              <a:t>What is ACTUALLY happening and why?  </a:t>
+            </a:r>
+          </a:p>
+        </p:txBody>
+      </p:sp>
+      <p:pic>
+        <p:nvPicPr>
+          <p:cNvPr id="58" name="Picture 57">
+            <a:extLst>
+              <a:ext uri="{FF2B5EF4-FFF2-40B4-BE49-F238E27FC236}">
+                <a16:creationId xmlns:a16="http://schemas.microsoft.com/office/drawing/2014/main" id="{64724405-0692-45F9-BED1-D07F151E9136}"/>
+              </a:ext>
+            </a:extLst>
+          </p:cNvPr>
+          <p:cNvPicPr>
+            <a:picLocks noChangeAspect="1"/>
+          </p:cNvPicPr>
+          <p:nvPr/>
+        </p:nvPicPr>
+        <p:blipFill>
+          <a:blip r:embed="rId2" cstate="print">
+            <a:extLst>
+              <a:ext uri="{28A0092B-C50C-407E-A947-70E740481C1C}">
+                <a14:useLocalDpi xmlns:a14="http://schemas.microsoft.com/office/drawing/2010/main" val="0"/>
+              </a:ext>
+            </a:extLst>
+          </a:blip>
+          <a:stretch>
+            <a:fillRect/>
+          </a:stretch>
+        </p:blipFill>
+        <p:spPr>
+          <a:xfrm>
+            <a:off x="2309670" y="1514418"/>
+            <a:ext cx="588485" cy="1023453"/>
+          </a:xfrm>
+          <a:prstGeom prst="rect">
+            <a:avLst/>
+          </a:prstGeom>
+        </p:spPr>
+      </p:pic>
+      <p:sp>
+        <p:nvSpPr>
+          <p:cNvPr id="59" name="TextBox 58">
+            <a:extLst>
+              <a:ext uri="{FF2B5EF4-FFF2-40B4-BE49-F238E27FC236}">
+                <a16:creationId xmlns:a16="http://schemas.microsoft.com/office/drawing/2014/main" id="{4104B11D-EE7E-4AE1-8341-A137E53ED68D}"/>
+              </a:ext>
+            </a:extLst>
+          </p:cNvPr>
+          <p:cNvSpPr txBox="1"/>
+          <p:nvPr/>
+        </p:nvSpPr>
+        <p:spPr>
+          <a:xfrm>
+            <a:off x="3936331" y="2217822"/>
+            <a:ext cx="2081594" cy="769441"/>
+          </a:xfrm>
+          <a:prstGeom prst="rect">
+            <a:avLst/>
+          </a:prstGeom>
+          <a:noFill/>
+        </p:spPr>
+        <p:txBody>
+          <a:bodyPr wrap="square" rtlCol="0">
+            <a:spAutoFit/>
+          </a:bodyPr>
+          <a:lstStyle/>
+          <a:p>
+            <a:pPr algn="ctr"/>
+            <a:r>
+              <a:rPr lang="en-US" sz="1600" b="1" dirty="0"/>
+              <a:t>2. GUIDELINES </a:t>
+            </a:r>
+          </a:p>
+          <a:p>
+            <a:pPr algn="ctr"/>
+            <a:r>
+              <a:rPr lang="en-US" sz="1400" b="1" dirty="0"/>
+              <a:t>(Professional Societies, CDC, etc.)</a:t>
+            </a:r>
+          </a:p>
+        </p:txBody>
+      </p:sp>
+      <p:sp>
+        <p:nvSpPr>
+          <p:cNvPr id="60" name="TextBox 59">
+            <a:extLst>
+              <a:ext uri="{FF2B5EF4-FFF2-40B4-BE49-F238E27FC236}">
+                <a16:creationId xmlns:a16="http://schemas.microsoft.com/office/drawing/2014/main" id="{C9DC7D3E-A723-463D-A6E0-59D84199CF40}"/>
+              </a:ext>
+            </a:extLst>
+          </p:cNvPr>
+          <p:cNvSpPr txBox="1"/>
+          <p:nvPr/>
+        </p:nvSpPr>
+        <p:spPr>
+          <a:xfrm>
+            <a:off x="3893658" y="2900068"/>
+            <a:ext cx="2081595" cy="461665"/>
+          </a:xfrm>
+          <a:prstGeom prst="rect">
+            <a:avLst/>
+          </a:prstGeom>
+          <a:noFill/>
+        </p:spPr>
+        <p:txBody>
+          <a:bodyPr wrap="square" rtlCol="0">
+            <a:spAutoFit/>
+          </a:bodyPr>
+          <a:lstStyle/>
+          <a:p>
+            <a:pPr algn="ctr"/>
+            <a:r>
+              <a:rPr lang="en-US" sz="1200" dirty="0">
+                <a:solidFill>
+                  <a:schemeClr val="accent4">
+                    <a:lumMod val="75000"/>
+                  </a:schemeClr>
+                </a:solidFill>
+              </a:rPr>
+              <a:t>What SHOULD happen. What do we want to happen? </a:t>
+            </a:r>
+          </a:p>
+        </p:txBody>
+      </p:sp>
+      <p:pic>
+        <p:nvPicPr>
+          <p:cNvPr id="61" name="Picture 60">
+            <a:extLst>
+              <a:ext uri="{FF2B5EF4-FFF2-40B4-BE49-F238E27FC236}">
+                <a16:creationId xmlns:a16="http://schemas.microsoft.com/office/drawing/2014/main" id="{274AFC73-6931-4875-BFEB-77E7BCF6A3FD}"/>
+              </a:ext>
+            </a:extLst>
+          </p:cNvPr>
+          <p:cNvPicPr>
+            <a:picLocks noChangeAspect="1"/>
+          </p:cNvPicPr>
+          <p:nvPr/>
+        </p:nvPicPr>
+        <p:blipFill>
+          <a:blip r:embed="rId3" cstate="print">
+            <a:extLst>
+              <a:ext uri="{28A0092B-C50C-407E-A947-70E740481C1C}">
+                <a14:useLocalDpi xmlns:a14="http://schemas.microsoft.com/office/drawing/2010/main" val="0"/>
+              </a:ext>
+            </a:extLst>
+          </a:blip>
+          <a:stretch>
+            <a:fillRect/>
+          </a:stretch>
+        </p:blipFill>
+        <p:spPr>
+          <a:xfrm>
+            <a:off x="4326901" y="1534870"/>
+            <a:ext cx="1236766" cy="695680"/>
+          </a:xfrm>
+          <a:prstGeom prst="rect">
+            <a:avLst/>
+          </a:prstGeom>
+        </p:spPr>
+      </p:pic>
+      <p:sp>
+        <p:nvSpPr>
+          <p:cNvPr id="62" name="TextBox 61">
+            <a:extLst>
+              <a:ext uri="{FF2B5EF4-FFF2-40B4-BE49-F238E27FC236}">
+                <a16:creationId xmlns:a16="http://schemas.microsoft.com/office/drawing/2014/main" id="{DBE5FC02-F7A6-4AB3-BDEA-4BAF9DA6E445}"/>
+              </a:ext>
+            </a:extLst>
+          </p:cNvPr>
+          <p:cNvSpPr txBox="1"/>
+          <p:nvPr/>
+        </p:nvSpPr>
+        <p:spPr>
+          <a:xfrm>
+            <a:off x="3239026" y="5165352"/>
+            <a:ext cx="1552197" cy="338554"/>
+          </a:xfrm>
+          <a:prstGeom prst="rect">
+            <a:avLst/>
+          </a:prstGeom>
+          <a:noFill/>
+        </p:spPr>
+        <p:txBody>
+          <a:bodyPr wrap="square" rtlCol="0">
+            <a:spAutoFit/>
+          </a:bodyPr>
+          <a:lstStyle/>
+          <a:p>
+            <a:pPr algn="r"/>
+            <a:r>
+              <a:rPr lang="en-US" sz="1600" b="1" dirty="0"/>
+              <a:t>6. REPORTING</a:t>
+            </a:r>
+          </a:p>
+        </p:txBody>
+      </p:sp>
+      <p:sp>
+        <p:nvSpPr>
+          <p:cNvPr id="63" name="TextBox 62">
+            <a:extLst>
+              <a:ext uri="{FF2B5EF4-FFF2-40B4-BE49-F238E27FC236}">
+                <a16:creationId xmlns:a16="http://schemas.microsoft.com/office/drawing/2014/main" id="{161602B3-C846-4070-97FD-D963CE4C0945}"/>
+              </a:ext>
+            </a:extLst>
+          </p:cNvPr>
+          <p:cNvSpPr txBox="1"/>
+          <p:nvPr/>
+        </p:nvSpPr>
+        <p:spPr>
+          <a:xfrm>
+            <a:off x="3558879" y="5536691"/>
+            <a:ext cx="1280338" cy="646331"/>
+          </a:xfrm>
+          <a:prstGeom prst="rect">
+            <a:avLst/>
+          </a:prstGeom>
+          <a:noFill/>
+        </p:spPr>
+        <p:txBody>
+          <a:bodyPr wrap="square" rtlCol="0">
+            <a:spAutoFit/>
+          </a:bodyPr>
+          <a:lstStyle/>
+          <a:p>
+            <a:pPr marL="114300" indent="-114300">
+              <a:buFont typeface="Arial" panose="020B0604020202020204" pitchFamily="34" charset="0"/>
+              <a:buChar char="•"/>
+            </a:pPr>
+            <a:r>
+              <a:rPr lang="en-US" sz="1200" dirty="0">
+                <a:solidFill>
+                  <a:schemeClr val="accent4">
+                    <a:lumMod val="75000"/>
+                  </a:schemeClr>
+                </a:solidFill>
+              </a:rPr>
+              <a:t>Public Health </a:t>
+            </a:r>
+          </a:p>
+          <a:p>
+            <a:pPr marL="114300" indent="-114300">
+              <a:buFont typeface="Arial" panose="020B0604020202020204" pitchFamily="34" charset="0"/>
+              <a:buChar char="•"/>
+            </a:pPr>
+            <a:r>
+              <a:rPr lang="en-US" sz="1200" dirty="0">
+                <a:solidFill>
+                  <a:schemeClr val="accent4">
+                    <a:lumMod val="75000"/>
+                  </a:schemeClr>
+                </a:solidFill>
+              </a:rPr>
+              <a:t>Quality</a:t>
+            </a:r>
+          </a:p>
+          <a:p>
+            <a:pPr marL="114300" indent="-114300">
+              <a:buFont typeface="Arial" panose="020B0604020202020204" pitchFamily="34" charset="0"/>
+              <a:buChar char="•"/>
+            </a:pPr>
+            <a:r>
+              <a:rPr lang="en-US" sz="1200" dirty="0">
+                <a:solidFill>
+                  <a:schemeClr val="accent4">
+                    <a:lumMod val="75000"/>
+                  </a:schemeClr>
+                </a:solidFill>
+              </a:rPr>
+              <a:t>Safety</a:t>
+            </a:r>
+          </a:p>
+        </p:txBody>
+      </p:sp>
+      <p:pic>
+        <p:nvPicPr>
+          <p:cNvPr id="64" name="Picture 63">
+            <a:extLst>
+              <a:ext uri="{FF2B5EF4-FFF2-40B4-BE49-F238E27FC236}">
+                <a16:creationId xmlns:a16="http://schemas.microsoft.com/office/drawing/2014/main" id="{7A8AF27A-2010-4102-A1BD-92294BBD5315}"/>
+              </a:ext>
+            </a:extLst>
+          </p:cNvPr>
+          <p:cNvPicPr>
+            <a:picLocks noChangeAspect="1"/>
+          </p:cNvPicPr>
+          <p:nvPr/>
+        </p:nvPicPr>
+        <p:blipFill>
+          <a:blip r:embed="rId4" cstate="print">
+            <a:extLst>
+              <a:ext uri="{28A0092B-C50C-407E-A947-70E740481C1C}">
+                <a14:useLocalDpi xmlns:a14="http://schemas.microsoft.com/office/drawing/2010/main" val="0"/>
+              </a:ext>
+            </a:extLst>
+          </a:blip>
+          <a:stretch>
+            <a:fillRect/>
+          </a:stretch>
+        </p:blipFill>
+        <p:spPr>
+          <a:xfrm>
+            <a:off x="2540127" y="5200751"/>
+            <a:ext cx="1159047" cy="977946"/>
+          </a:xfrm>
+          <a:prstGeom prst="rect">
+            <a:avLst/>
+          </a:prstGeom>
+          <a:noFill/>
+        </p:spPr>
+      </p:pic>
+      <p:sp>
+        <p:nvSpPr>
+          <p:cNvPr id="65" name="TextBox 64">
+            <a:extLst>
+              <a:ext uri="{FF2B5EF4-FFF2-40B4-BE49-F238E27FC236}">
+                <a16:creationId xmlns:a16="http://schemas.microsoft.com/office/drawing/2014/main" id="{DBAA027C-0DFE-4014-B5CA-F0A413B63481}"/>
+              </a:ext>
+            </a:extLst>
+          </p:cNvPr>
+          <p:cNvSpPr txBox="1"/>
+          <p:nvPr/>
+        </p:nvSpPr>
+        <p:spPr>
+          <a:xfrm>
+            <a:off x="7246708" y="1652408"/>
+            <a:ext cx="1236765" cy="830997"/>
+          </a:xfrm>
+          <a:prstGeom prst="rect">
+            <a:avLst/>
+          </a:prstGeom>
+          <a:noFill/>
+        </p:spPr>
+        <p:txBody>
+          <a:bodyPr wrap="square" rtlCol="0">
+            <a:spAutoFit/>
+          </a:bodyPr>
+          <a:lstStyle/>
+          <a:p>
+            <a:r>
+              <a:rPr lang="en-US" sz="1600" b="1" dirty="0"/>
+              <a:t>3. CLINICAL DECISION SUPPORT</a:t>
+            </a:r>
+          </a:p>
+        </p:txBody>
+      </p:sp>
+      <p:sp>
+        <p:nvSpPr>
+          <p:cNvPr id="66" name="TextBox 65">
+            <a:extLst>
+              <a:ext uri="{FF2B5EF4-FFF2-40B4-BE49-F238E27FC236}">
+                <a16:creationId xmlns:a16="http://schemas.microsoft.com/office/drawing/2014/main" id="{D1921C7B-0E2D-462F-9E9A-0C92FCFC828C}"/>
+              </a:ext>
+            </a:extLst>
+          </p:cNvPr>
+          <p:cNvSpPr txBox="1"/>
+          <p:nvPr/>
+        </p:nvSpPr>
+        <p:spPr>
+          <a:xfrm>
+            <a:off x="7266330" y="2422943"/>
+            <a:ext cx="1319859" cy="646331"/>
+          </a:xfrm>
+          <a:prstGeom prst="rect">
+            <a:avLst/>
+          </a:prstGeom>
+          <a:noFill/>
+        </p:spPr>
+        <p:txBody>
+          <a:bodyPr wrap="square" rtlCol="0">
+            <a:spAutoFit/>
+          </a:bodyPr>
+          <a:lstStyle/>
+          <a:p>
+            <a:r>
+              <a:rPr lang="en-US" sz="1200" dirty="0">
+                <a:solidFill>
+                  <a:schemeClr val="accent4">
+                    <a:lumMod val="75000"/>
+                  </a:schemeClr>
+                </a:solidFill>
+              </a:rPr>
+              <a:t>MAKING it happen within local workflow.</a:t>
+            </a:r>
+          </a:p>
+        </p:txBody>
+      </p:sp>
+      <p:pic>
+        <p:nvPicPr>
+          <p:cNvPr id="67" name="Picture 66">
+            <a:extLst>
+              <a:ext uri="{FF2B5EF4-FFF2-40B4-BE49-F238E27FC236}">
+                <a16:creationId xmlns:a16="http://schemas.microsoft.com/office/drawing/2014/main" id="{91C8B2B0-D2AE-4486-9F54-B3416160E4F6}"/>
+              </a:ext>
+            </a:extLst>
+          </p:cNvPr>
+          <p:cNvPicPr>
+            <a:picLocks noChangeAspect="1"/>
+          </p:cNvPicPr>
+          <p:nvPr/>
+        </p:nvPicPr>
+        <p:blipFill>
+          <a:blip r:embed="rId5" cstate="print">
+            <a:extLst>
+              <a:ext uri="{28A0092B-C50C-407E-A947-70E740481C1C}">
+                <a14:useLocalDpi xmlns:a14="http://schemas.microsoft.com/office/drawing/2010/main" val="0"/>
+              </a:ext>
+            </a:extLst>
+          </a:blip>
+          <a:stretch>
+            <a:fillRect/>
+          </a:stretch>
+        </p:blipFill>
+        <p:spPr>
+          <a:xfrm>
+            <a:off x="6506717" y="1932020"/>
+            <a:ext cx="931135" cy="921587"/>
+          </a:xfrm>
+          <a:prstGeom prst="rect">
+            <a:avLst/>
+          </a:prstGeom>
+        </p:spPr>
+      </p:pic>
+      <p:sp>
+        <p:nvSpPr>
+          <p:cNvPr id="68" name="TextBox 67">
+            <a:extLst>
+              <a:ext uri="{FF2B5EF4-FFF2-40B4-BE49-F238E27FC236}">
+                <a16:creationId xmlns:a16="http://schemas.microsoft.com/office/drawing/2014/main" id="{3CE50687-C376-4601-9B8B-5A1BA3FE0696}"/>
+              </a:ext>
+            </a:extLst>
+          </p:cNvPr>
+          <p:cNvSpPr txBox="1"/>
+          <p:nvPr/>
+        </p:nvSpPr>
+        <p:spPr>
+          <a:xfrm>
+            <a:off x="5904848" y="5479186"/>
+            <a:ext cx="2260806" cy="584775"/>
+          </a:xfrm>
+          <a:prstGeom prst="rect">
+            <a:avLst/>
+          </a:prstGeom>
+          <a:noFill/>
+        </p:spPr>
+        <p:txBody>
+          <a:bodyPr wrap="square" rtlCol="0">
+            <a:spAutoFit/>
+          </a:bodyPr>
+          <a:lstStyle/>
+          <a:p>
+            <a:r>
+              <a:rPr lang="en-US" sz="1600" b="1" dirty="0"/>
+              <a:t>5. MEASUREMENT ANALYTICS</a:t>
+            </a:r>
+          </a:p>
+        </p:txBody>
+      </p:sp>
+      <p:sp>
+        <p:nvSpPr>
+          <p:cNvPr id="69" name="TextBox 68">
+            <a:extLst>
+              <a:ext uri="{FF2B5EF4-FFF2-40B4-BE49-F238E27FC236}">
+                <a16:creationId xmlns:a16="http://schemas.microsoft.com/office/drawing/2014/main" id="{EEFB8484-5220-4F95-8B3C-1FC563D67F24}"/>
+              </a:ext>
+            </a:extLst>
+          </p:cNvPr>
+          <p:cNvSpPr txBox="1"/>
+          <p:nvPr/>
+        </p:nvSpPr>
+        <p:spPr>
+          <a:xfrm>
+            <a:off x="5904848" y="6044128"/>
+            <a:ext cx="1963746" cy="646331"/>
+          </a:xfrm>
+          <a:prstGeom prst="rect">
+            <a:avLst/>
+          </a:prstGeom>
+          <a:noFill/>
+        </p:spPr>
+        <p:txBody>
+          <a:bodyPr wrap="square" rtlCol="0">
+            <a:spAutoFit/>
+          </a:bodyPr>
+          <a:lstStyle/>
+          <a:p>
+            <a:r>
+              <a:rPr lang="en-US" sz="1200" dirty="0">
+                <a:solidFill>
+                  <a:schemeClr val="accent4">
+                    <a:lumMod val="75000"/>
+                  </a:schemeClr>
+                </a:solidFill>
+              </a:rPr>
+              <a:t>What DID happen? What processes and outcomes have been achieved? </a:t>
+            </a:r>
+          </a:p>
+        </p:txBody>
+      </p:sp>
+      <p:pic>
+        <p:nvPicPr>
+          <p:cNvPr id="70" name="Picture 69">
+            <a:extLst>
+              <a:ext uri="{FF2B5EF4-FFF2-40B4-BE49-F238E27FC236}">
+                <a16:creationId xmlns:a16="http://schemas.microsoft.com/office/drawing/2014/main" id="{4753B1CA-0350-4457-A4B5-C7EF9B25838D}"/>
+              </a:ext>
+            </a:extLst>
+          </p:cNvPr>
+          <p:cNvPicPr>
+            <a:picLocks noChangeAspect="1"/>
+          </p:cNvPicPr>
+          <p:nvPr/>
+        </p:nvPicPr>
+        <p:blipFill>
+          <a:blip r:embed="rId6" cstate="print">
+            <a:extLst>
+              <a:ext uri="{28A0092B-C50C-407E-A947-70E740481C1C}">
+                <a14:useLocalDpi xmlns:a14="http://schemas.microsoft.com/office/drawing/2010/main" val="0"/>
+              </a:ext>
+            </a:extLst>
+          </a:blip>
+          <a:stretch>
+            <a:fillRect/>
+          </a:stretch>
+        </p:blipFill>
+        <p:spPr>
+          <a:xfrm>
+            <a:off x="6203236" y="4908941"/>
+            <a:ext cx="921529" cy="633552"/>
+          </a:xfrm>
+          <a:prstGeom prst="rect">
+            <a:avLst/>
+          </a:prstGeom>
+        </p:spPr>
+      </p:pic>
+      <p:cxnSp>
+        <p:nvCxnSpPr>
+          <p:cNvPr id="71" name="Straight Arrow Connector 70">
+            <a:extLst>
+              <a:ext uri="{FF2B5EF4-FFF2-40B4-BE49-F238E27FC236}">
+                <a16:creationId xmlns:a16="http://schemas.microsoft.com/office/drawing/2014/main" id="{E44011DC-41D1-490F-BA09-67C42C7AC1D3}"/>
+              </a:ext>
+            </a:extLst>
+          </p:cNvPr>
+          <p:cNvCxnSpPr>
+            <a:cxnSpLocks/>
+          </p:cNvCxnSpPr>
+          <p:nvPr/>
+        </p:nvCxnSpPr>
+        <p:spPr>
+          <a:xfrm>
+            <a:off x="3216604" y="1898698"/>
+            <a:ext cx="945223" cy="0"/>
+          </a:xfrm>
+          <a:prstGeom prst="straightConnector1">
+            <a:avLst/>
+          </a:prstGeom>
+          <a:ln w="79375">
+            <a:solidFill>
+              <a:schemeClr val="bg2">
+                <a:lumMod val="50000"/>
+              </a:schemeClr>
+            </a:solidFill>
+            <a:tailEnd type="triangle"/>
+          </a:ln>
+        </p:spPr>
+        <p:style>
+          <a:lnRef idx="1">
+            <a:schemeClr val="accent1"/>
+          </a:lnRef>
+          <a:fillRef idx="0">
+            <a:schemeClr val="accent1"/>
+          </a:fillRef>
+          <a:effectRef idx="0">
+            <a:schemeClr val="accent1"/>
+          </a:effectRef>
+          <a:fontRef idx="minor">
+            <a:schemeClr val="tx1"/>
+          </a:fontRef>
+        </p:style>
+      </p:cxnSp>
+      <p:cxnSp>
+        <p:nvCxnSpPr>
+          <p:cNvPr id="72" name="Straight Arrow Connector 71">
+            <a:extLst>
+              <a:ext uri="{FF2B5EF4-FFF2-40B4-BE49-F238E27FC236}">
+                <a16:creationId xmlns:a16="http://schemas.microsoft.com/office/drawing/2014/main" id="{0FAA7D3F-C064-4138-9A1C-D9D019AC1236}"/>
+              </a:ext>
+            </a:extLst>
+          </p:cNvPr>
+          <p:cNvCxnSpPr/>
+          <p:nvPr/>
+        </p:nvCxnSpPr>
+        <p:spPr>
+          <a:xfrm>
+            <a:off x="5877140" y="1898698"/>
+            <a:ext cx="713996" cy="0"/>
+          </a:xfrm>
+          <a:prstGeom prst="straightConnector1">
+            <a:avLst/>
+          </a:prstGeom>
+          <a:ln w="79375">
+            <a:solidFill>
+              <a:schemeClr val="bg2">
+                <a:lumMod val="50000"/>
+              </a:schemeClr>
+            </a:solidFill>
+            <a:tailEnd type="triangle"/>
+          </a:ln>
+        </p:spPr>
+        <p:style>
+          <a:lnRef idx="1">
+            <a:schemeClr val="accent1"/>
+          </a:lnRef>
+          <a:fillRef idx="0">
+            <a:schemeClr val="accent1"/>
+          </a:fillRef>
+          <a:effectRef idx="0">
+            <a:schemeClr val="accent1"/>
+          </a:effectRef>
+          <a:fontRef idx="minor">
+            <a:schemeClr val="tx1"/>
+          </a:fontRef>
+        </p:style>
+      </p:cxnSp>
+      <p:cxnSp>
+        <p:nvCxnSpPr>
+          <p:cNvPr id="73" name="Straight Arrow Connector 72">
+            <a:extLst>
+              <a:ext uri="{FF2B5EF4-FFF2-40B4-BE49-F238E27FC236}">
+                <a16:creationId xmlns:a16="http://schemas.microsoft.com/office/drawing/2014/main" id="{D992D7D5-E04D-49F8-B187-731275CC4AC7}"/>
+              </a:ext>
+            </a:extLst>
+          </p:cNvPr>
+          <p:cNvCxnSpPr>
+            <a:cxnSpLocks/>
+          </p:cNvCxnSpPr>
+          <p:nvPr/>
+        </p:nvCxnSpPr>
+        <p:spPr>
+          <a:xfrm>
+            <a:off x="7120028" y="3447785"/>
+            <a:ext cx="22825" cy="839617"/>
+          </a:xfrm>
+          <a:prstGeom prst="straightConnector1">
+            <a:avLst/>
+          </a:prstGeom>
+          <a:ln w="79375">
+            <a:solidFill>
+              <a:schemeClr val="bg2">
+                <a:lumMod val="50000"/>
+              </a:schemeClr>
+            </a:solidFill>
+            <a:tailEnd type="triangle"/>
+          </a:ln>
+        </p:spPr>
+        <p:style>
+          <a:lnRef idx="1">
+            <a:schemeClr val="accent1"/>
+          </a:lnRef>
+          <a:fillRef idx="0">
+            <a:schemeClr val="accent1"/>
+          </a:fillRef>
+          <a:effectRef idx="0">
+            <a:schemeClr val="accent1"/>
+          </a:effectRef>
+          <a:fontRef idx="minor">
+            <a:schemeClr val="tx1"/>
+          </a:fontRef>
+        </p:style>
+      </p:cxnSp>
+      <p:cxnSp>
+        <p:nvCxnSpPr>
+          <p:cNvPr id="74" name="Straight Arrow Connector 73">
+            <a:extLst>
+              <a:ext uri="{FF2B5EF4-FFF2-40B4-BE49-F238E27FC236}">
+                <a16:creationId xmlns:a16="http://schemas.microsoft.com/office/drawing/2014/main" id="{D78165D4-A138-4193-AF5D-D24457DE9CCB}"/>
+              </a:ext>
+            </a:extLst>
+          </p:cNvPr>
+          <p:cNvCxnSpPr>
+            <a:cxnSpLocks/>
+          </p:cNvCxnSpPr>
+          <p:nvPr/>
+        </p:nvCxnSpPr>
+        <p:spPr>
+          <a:xfrm flipH="1">
+            <a:off x="4776462" y="5587234"/>
+            <a:ext cx="878337" cy="0"/>
+          </a:xfrm>
+          <a:prstGeom prst="straightConnector1">
+            <a:avLst/>
+          </a:prstGeom>
+          <a:ln w="79375">
+            <a:solidFill>
+              <a:schemeClr val="bg2">
+                <a:lumMod val="50000"/>
+              </a:schemeClr>
+            </a:solidFill>
+            <a:tailEnd type="triangle"/>
+          </a:ln>
+        </p:spPr>
+        <p:style>
+          <a:lnRef idx="1">
+            <a:schemeClr val="accent1"/>
+          </a:lnRef>
+          <a:fillRef idx="0">
+            <a:schemeClr val="accent1"/>
+          </a:fillRef>
+          <a:effectRef idx="0">
+            <a:schemeClr val="accent1"/>
+          </a:effectRef>
+          <a:fontRef idx="minor">
+            <a:schemeClr val="tx1"/>
+          </a:fontRef>
+        </p:style>
+      </p:cxnSp>
+      <p:cxnSp>
+        <p:nvCxnSpPr>
+          <p:cNvPr id="75" name="Elbow Connector 18">
+            <a:extLst>
+              <a:ext uri="{FF2B5EF4-FFF2-40B4-BE49-F238E27FC236}">
+                <a16:creationId xmlns:a16="http://schemas.microsoft.com/office/drawing/2014/main" id="{D79B4200-7CD5-45C4-B92D-9A503944590E}"/>
+              </a:ext>
+            </a:extLst>
+          </p:cNvPr>
+          <p:cNvCxnSpPr>
+            <a:cxnSpLocks/>
+          </p:cNvCxnSpPr>
+          <p:nvPr/>
+        </p:nvCxnSpPr>
+        <p:spPr>
+          <a:xfrm rot="16200000" flipV="1">
+            <a:off x="1422912" y="4413443"/>
+            <a:ext cx="1911257" cy="400063"/>
+          </a:xfrm>
+          <a:prstGeom prst="bentConnector3">
+            <a:avLst>
+              <a:gd name="adj1" fmla="val 1607"/>
+            </a:avLst>
+          </a:prstGeom>
+          <a:ln w="79375">
+            <a:solidFill>
+              <a:schemeClr val="bg2">
+                <a:lumMod val="50000"/>
+              </a:schemeClr>
+            </a:solidFill>
+            <a:tailEnd type="triangle"/>
+          </a:ln>
+        </p:spPr>
+        <p:style>
+          <a:lnRef idx="1">
+            <a:schemeClr val="accent1"/>
+          </a:lnRef>
+          <a:fillRef idx="0">
+            <a:schemeClr val="accent1"/>
+          </a:fillRef>
+          <a:effectRef idx="0">
+            <a:schemeClr val="accent1"/>
+          </a:effectRef>
+          <a:fontRef idx="minor">
+            <a:schemeClr val="tx1"/>
+          </a:fontRef>
+        </p:style>
+      </p:cxnSp>
+      <p:sp>
+        <p:nvSpPr>
+          <p:cNvPr id="76" name="TextBox 75">
+            <a:extLst>
+              <a:ext uri="{FF2B5EF4-FFF2-40B4-BE49-F238E27FC236}">
+                <a16:creationId xmlns:a16="http://schemas.microsoft.com/office/drawing/2014/main" id="{370B4891-0C3B-4104-BE87-B059463F0E7A}"/>
+              </a:ext>
+            </a:extLst>
+          </p:cNvPr>
+          <p:cNvSpPr txBox="1"/>
+          <p:nvPr/>
+        </p:nvSpPr>
+        <p:spPr>
+          <a:xfrm>
+            <a:off x="4006279" y="4087347"/>
+            <a:ext cx="2712115" cy="200055"/>
+          </a:xfrm>
+          <a:prstGeom prst="rect">
+            <a:avLst/>
+          </a:prstGeom>
+          <a:noFill/>
+        </p:spPr>
+        <p:txBody>
+          <a:bodyPr wrap="square" lIns="0" tIns="0" rIns="0" bIns="0" rtlCol="0">
+            <a:spAutoFit/>
+          </a:bodyPr>
+          <a:lstStyle/>
+          <a:p>
+            <a:r>
+              <a:rPr lang="en-US" sz="1300" dirty="0"/>
+              <a:t>Patient, provider, population, public</a:t>
+            </a:r>
+          </a:p>
+        </p:txBody>
+      </p:sp>
+      <p:pic>
+        <p:nvPicPr>
+          <p:cNvPr id="77" name="Picture 76">
+            <a:extLst>
+              <a:ext uri="{FF2B5EF4-FFF2-40B4-BE49-F238E27FC236}">
+                <a16:creationId xmlns:a16="http://schemas.microsoft.com/office/drawing/2014/main" id="{99ABF394-C9F9-4928-83F6-9560E2BFBEE9}"/>
+              </a:ext>
+            </a:extLst>
+          </p:cNvPr>
+          <p:cNvPicPr>
+            <a:picLocks noChangeAspect="1"/>
+          </p:cNvPicPr>
+          <p:nvPr/>
+        </p:nvPicPr>
+        <p:blipFill>
+          <a:blip r:embed="rId7"/>
+          <a:stretch>
+            <a:fillRect/>
+          </a:stretch>
+        </p:blipFill>
+        <p:spPr>
+          <a:xfrm>
+            <a:off x="3226911" y="3872244"/>
+            <a:ext cx="799655" cy="649320"/>
+          </a:xfrm>
+          <a:prstGeom prst="rect">
+            <a:avLst/>
+          </a:prstGeom>
+        </p:spPr>
+      </p:pic>
+      <p:sp>
+        <p:nvSpPr>
+          <p:cNvPr id="78" name="TextBox 77">
+            <a:extLst>
+              <a:ext uri="{FF2B5EF4-FFF2-40B4-BE49-F238E27FC236}">
+                <a16:creationId xmlns:a16="http://schemas.microsoft.com/office/drawing/2014/main" id="{57203055-5D7B-43D8-84F9-29C07B8B15BF}"/>
+              </a:ext>
+            </a:extLst>
+          </p:cNvPr>
+          <p:cNvSpPr txBox="1"/>
+          <p:nvPr/>
+        </p:nvSpPr>
+        <p:spPr>
+          <a:xfrm>
+            <a:off x="8774532" y="3392400"/>
+            <a:ext cx="1193912" cy="584775"/>
+          </a:xfrm>
+          <a:prstGeom prst="rect">
+            <a:avLst/>
+          </a:prstGeom>
+          <a:noFill/>
+        </p:spPr>
+        <p:txBody>
+          <a:bodyPr wrap="square" rtlCol="0">
+            <a:spAutoFit/>
+          </a:bodyPr>
+          <a:lstStyle/>
+          <a:p>
+            <a:r>
+              <a:rPr lang="en-US" sz="1600" b="1" dirty="0"/>
+              <a:t>4. CLINICAL CARE</a:t>
+            </a:r>
+          </a:p>
+        </p:txBody>
+      </p:sp>
+      <p:sp>
+        <p:nvSpPr>
+          <p:cNvPr id="79" name="TextBox 78">
+            <a:extLst>
+              <a:ext uri="{FF2B5EF4-FFF2-40B4-BE49-F238E27FC236}">
+                <a16:creationId xmlns:a16="http://schemas.microsoft.com/office/drawing/2014/main" id="{0EDCC91C-3311-45D7-86E9-F6A488903631}"/>
+              </a:ext>
+            </a:extLst>
+          </p:cNvPr>
+          <p:cNvSpPr txBox="1"/>
+          <p:nvPr/>
+        </p:nvSpPr>
+        <p:spPr>
+          <a:xfrm>
+            <a:off x="8834576" y="3860399"/>
+            <a:ext cx="1342467" cy="461665"/>
+          </a:xfrm>
+          <a:prstGeom prst="rect">
+            <a:avLst/>
+          </a:prstGeom>
+          <a:noFill/>
+        </p:spPr>
+        <p:txBody>
+          <a:bodyPr wrap="square" rtlCol="0">
+            <a:spAutoFit/>
+          </a:bodyPr>
+          <a:lstStyle/>
+          <a:p>
+            <a:r>
+              <a:rPr lang="en-US" sz="1200" dirty="0">
+                <a:solidFill>
+                  <a:schemeClr val="accent4">
+                    <a:lumMod val="75000"/>
+                  </a:schemeClr>
+                </a:solidFill>
+              </a:rPr>
+              <a:t>Clinician and Patient Workflow.</a:t>
+            </a:r>
+          </a:p>
+        </p:txBody>
+      </p:sp>
+      <p:pic>
+        <p:nvPicPr>
+          <p:cNvPr id="80" name="Picture 79">
+            <a:extLst>
+              <a:ext uri="{FF2B5EF4-FFF2-40B4-BE49-F238E27FC236}">
+                <a16:creationId xmlns:a16="http://schemas.microsoft.com/office/drawing/2014/main" id="{0850B545-2EA6-4588-A007-541A6AE93967}"/>
+              </a:ext>
+            </a:extLst>
+          </p:cNvPr>
+          <p:cNvPicPr>
+            <a:picLocks noChangeAspect="1"/>
+          </p:cNvPicPr>
+          <p:nvPr/>
+        </p:nvPicPr>
+        <p:blipFill>
+          <a:blip r:embed="rId8" cstate="print">
+            <a:extLst>
+              <a:ext uri="{28A0092B-C50C-407E-A947-70E740481C1C}">
+                <a14:useLocalDpi xmlns:a14="http://schemas.microsoft.com/office/drawing/2010/main" val="0"/>
+              </a:ext>
+            </a:extLst>
+          </a:blip>
+          <a:stretch>
+            <a:fillRect/>
+          </a:stretch>
+        </p:blipFill>
+        <p:spPr>
+          <a:xfrm>
+            <a:off x="7911594" y="3569830"/>
+            <a:ext cx="1045989" cy="634131"/>
+          </a:xfrm>
+          <a:prstGeom prst="rect">
+            <a:avLst/>
+          </a:prstGeom>
+        </p:spPr>
+      </p:pic>
+      <p:cxnSp>
+        <p:nvCxnSpPr>
+          <p:cNvPr id="81" name="Straight Arrow Connector 80">
+            <a:extLst>
+              <a:ext uri="{FF2B5EF4-FFF2-40B4-BE49-F238E27FC236}">
+                <a16:creationId xmlns:a16="http://schemas.microsoft.com/office/drawing/2014/main" id="{75DF8450-2378-4191-983D-EFB42DE54D36}"/>
+              </a:ext>
+            </a:extLst>
+          </p:cNvPr>
+          <p:cNvCxnSpPr>
+            <a:cxnSpLocks/>
+          </p:cNvCxnSpPr>
+          <p:nvPr/>
+        </p:nvCxnSpPr>
+        <p:spPr>
+          <a:xfrm flipH="1">
+            <a:off x="7290138" y="3807899"/>
+            <a:ext cx="658036" cy="0"/>
+          </a:xfrm>
+          <a:prstGeom prst="straightConnector1">
+            <a:avLst/>
+          </a:prstGeom>
+          <a:ln w="60325">
+            <a:solidFill>
+              <a:schemeClr val="bg2">
+                <a:lumMod val="75000"/>
+              </a:schemeClr>
+            </a:solidFill>
+            <a:headEnd type="triangle"/>
+            <a:tailEnd type="triangle"/>
+          </a:ln>
+        </p:spPr>
+        <p:style>
+          <a:lnRef idx="1">
+            <a:schemeClr val="accent1"/>
+          </a:lnRef>
+          <a:fillRef idx="0">
+            <a:schemeClr val="accent1"/>
+          </a:fillRef>
+          <a:effectRef idx="0">
+            <a:schemeClr val="accent1"/>
+          </a:effectRef>
+          <a:fontRef idx="minor">
+            <a:schemeClr val="tx1"/>
+          </a:fontRef>
+        </p:style>
+      </p:cxnSp>
+    </p:spTree>
+    <p:extLst>
+      <p:ext uri="{BB962C8B-B14F-4D97-AF65-F5344CB8AC3E}">
+        <p14:creationId xmlns:p14="http://schemas.microsoft.com/office/powerpoint/2010/main" val="1604280458"/>
       </p:ext>
     </p:extLst>
   </p:cSld>
